--- a/Vedant_Shah/Detection_of_Obstacles_on_Roads.pptx
+++ b/Vedant_Shah/Detection_of_Obstacles_on_Roads.pptx
@@ -5,7 +5,7 @@
     <p:sldMasterId id="2147483675" r:id="rId1"/>
   </p:sldMasterIdLst>
   <p:notesMasterIdLst>
-    <p:notesMasterId r:id="rId15"/>
+    <p:notesMasterId r:id="rId24"/>
   </p:notesMasterIdLst>
   <p:sldIdLst>
     <p:sldId id="256" r:id="rId2"/>
@@ -13,50 +13,59 @@
     <p:sldId id="259" r:id="rId4"/>
     <p:sldId id="260" r:id="rId5"/>
     <p:sldId id="261" r:id="rId6"/>
-    <p:sldId id="262" r:id="rId7"/>
-    <p:sldId id="296" r:id="rId8"/>
-    <p:sldId id="297" r:id="rId9"/>
-    <p:sldId id="298" r:id="rId10"/>
-    <p:sldId id="299" r:id="rId11"/>
-    <p:sldId id="300" r:id="rId12"/>
-    <p:sldId id="301" r:id="rId13"/>
-    <p:sldId id="302" r:id="rId14"/>
+    <p:sldId id="303" r:id="rId7"/>
+    <p:sldId id="304" r:id="rId8"/>
+    <p:sldId id="305" r:id="rId9"/>
+    <p:sldId id="306" r:id="rId10"/>
+    <p:sldId id="307" r:id="rId11"/>
+    <p:sldId id="262" r:id="rId12"/>
+    <p:sldId id="296" r:id="rId13"/>
+    <p:sldId id="297" r:id="rId14"/>
+    <p:sldId id="308" r:id="rId15"/>
+    <p:sldId id="298" r:id="rId16"/>
+    <p:sldId id="299" r:id="rId17"/>
+    <p:sldId id="300" r:id="rId18"/>
+    <p:sldId id="301" r:id="rId19"/>
+    <p:sldId id="309" r:id="rId20"/>
+    <p:sldId id="310" r:id="rId21"/>
+    <p:sldId id="311" r:id="rId22"/>
+    <p:sldId id="312" r:id="rId23"/>
   </p:sldIdLst>
   <p:sldSz cx="9144000" cy="5143500" type="screen16x9"/>
   <p:notesSz cx="6858000" cy="9144000"/>
   <p:embeddedFontLst>
     <p:embeddedFont>
       <p:font typeface="Anaheim" panose="020B0604020202020204" charset="0"/>
-      <p:regular r:id="rId16"/>
-      <p:bold r:id="rId17"/>
+      <p:regular r:id="rId25"/>
+      <p:bold r:id="rId26"/>
     </p:embeddedFont>
     <p:embeddedFont>
       <p:font typeface="DM Sans" pitchFamily="2" charset="0"/>
-      <p:regular r:id="rId18"/>
-      <p:bold r:id="rId19"/>
-      <p:italic r:id="rId20"/>
-      <p:boldItalic r:id="rId21"/>
+      <p:regular r:id="rId27"/>
+      <p:bold r:id="rId28"/>
+      <p:italic r:id="rId29"/>
+      <p:boldItalic r:id="rId30"/>
     </p:embeddedFont>
     <p:embeddedFont>
       <p:font typeface="Playfair Display" panose="00000500000000000000" pitchFamily="2" charset="0"/>
-      <p:regular r:id="rId22"/>
-      <p:bold r:id="rId23"/>
-      <p:italic r:id="rId24"/>
-      <p:boldItalic r:id="rId25"/>
+      <p:regular r:id="rId31"/>
+      <p:bold r:id="rId32"/>
+      <p:italic r:id="rId33"/>
+      <p:boldItalic r:id="rId34"/>
     </p:embeddedFont>
     <p:embeddedFont>
       <p:font typeface="Playfair Display Medium" panose="020B0604020202020204" charset="0"/>
-      <p:regular r:id="rId26"/>
-      <p:bold r:id="rId27"/>
-      <p:italic r:id="rId28"/>
-      <p:boldItalic r:id="rId29"/>
+      <p:regular r:id="rId35"/>
+      <p:bold r:id="rId36"/>
+      <p:italic r:id="rId37"/>
+      <p:boldItalic r:id="rId38"/>
     </p:embeddedFont>
     <p:embeddedFont>
       <p:font typeface="Raleway" pitchFamily="2" charset="0"/>
-      <p:regular r:id="rId30"/>
-      <p:bold r:id="rId31"/>
-      <p:italic r:id="rId32"/>
-      <p:boldItalic r:id="rId33"/>
+      <p:regular r:id="rId39"/>
+      <p:bold r:id="rId40"/>
+      <p:italic r:id="rId41"/>
+      <p:boldItalic r:id="rId42"/>
     </p:embeddedFont>
   </p:embeddedFontLst>
   <p:defaultTextStyle>
@@ -288,6 +297,11 @@
       </a:defRPr>
     </a:lvl9pPr>
   </p:defaultTextStyle>
+  <p:extLst>
+    <p:ext uri="{EFAFB233-063F-42B5-8137-9DF3F51BA10A}">
+      <p15:sldGuideLst xmlns:p15="http://schemas.microsoft.com/office/powerpoint/2012/main"/>
+    </p:ext>
+  </p:extLst>
 </p:presentation>
 </file>
 
@@ -9153,6 +9167,811 @@
   <p:cSld>
     <p:spTree>
       <p:nvGrpSpPr>
+        <p:cNvPr id="1" name=""/>
+        <p:cNvGrpSpPr/>
+        <p:nvPr/>
+      </p:nvGrpSpPr>
+      <p:grpSpPr>
+        <a:xfrm>
+          <a:off x="0" y="0"/>
+          <a:ext cx="0" cy="0"/>
+          <a:chOff x="0" y="0"/>
+          <a:chExt cx="0" cy="0"/>
+        </a:xfrm>
+      </p:grpSpPr>
+      <p:sp>
+        <p:nvSpPr>
+          <p:cNvPr id="2" name="Title 1">
+            <a:extLst>
+              <a:ext uri="{FF2B5EF4-FFF2-40B4-BE49-F238E27FC236}">
+                <a16:creationId xmlns:a16="http://schemas.microsoft.com/office/drawing/2014/main" id="{F826A0CF-4067-0161-F51C-64EBF60E72F8}"/>
+              </a:ext>
+            </a:extLst>
+          </p:cNvPr>
+          <p:cNvSpPr>
+            <a:spLocks noGrp="1"/>
+          </p:cNvSpPr>
+          <p:nvPr>
+            <p:ph type="title"/>
+          </p:nvPr>
+        </p:nvSpPr>
+        <p:spPr/>
+        <p:txBody>
+          <a:bodyPr/>
+          <a:lstStyle/>
+          <a:p>
+            <a:endParaRPr lang="en-IN"/>
+          </a:p>
+        </p:txBody>
+      </p:sp>
+      <p:sp>
+        <p:nvSpPr>
+          <p:cNvPr id="3" name="Title 2">
+            <a:extLst>
+              <a:ext uri="{FF2B5EF4-FFF2-40B4-BE49-F238E27FC236}">
+                <a16:creationId xmlns:a16="http://schemas.microsoft.com/office/drawing/2014/main" id="{9985A196-4CD2-77DD-B59F-E0E858EBC438}"/>
+              </a:ext>
+            </a:extLst>
+          </p:cNvPr>
+          <p:cNvSpPr>
+            <a:spLocks noGrp="1"/>
+          </p:cNvSpPr>
+          <p:nvPr>
+            <p:ph type="title" idx="2"/>
+          </p:nvPr>
+        </p:nvSpPr>
+        <p:spPr/>
+        <p:txBody>
+          <a:bodyPr/>
+          <a:lstStyle/>
+          <a:p>
+            <a:endParaRPr lang="en-IN"/>
+          </a:p>
+        </p:txBody>
+      </p:sp>
+      <p:sp>
+        <p:nvSpPr>
+          <p:cNvPr id="4" name="Picture Placeholder 3">
+            <a:extLst>
+              <a:ext uri="{FF2B5EF4-FFF2-40B4-BE49-F238E27FC236}">
+                <a16:creationId xmlns:a16="http://schemas.microsoft.com/office/drawing/2014/main" id="{2A6E1C21-E575-C8DB-FEC4-25A6F4FD8E7B}"/>
+              </a:ext>
+            </a:extLst>
+          </p:cNvPr>
+          <p:cNvSpPr>
+            <a:spLocks noGrp="1"/>
+          </p:cNvSpPr>
+          <p:nvPr>
+            <p:ph type="pic" idx="3"/>
+          </p:nvPr>
+        </p:nvSpPr>
+        <p:spPr/>
+      </p:sp>
+      <p:pic>
+        <p:nvPicPr>
+          <p:cNvPr id="6" name="Picture 5">
+            <a:extLst>
+              <a:ext uri="{FF2B5EF4-FFF2-40B4-BE49-F238E27FC236}">
+                <a16:creationId xmlns:a16="http://schemas.microsoft.com/office/drawing/2014/main" id="{198227E7-C029-3451-4E6F-6350D71A0633}"/>
+              </a:ext>
+            </a:extLst>
+          </p:cNvPr>
+          <p:cNvPicPr>
+            <a:picLocks noChangeAspect="1"/>
+          </p:cNvPicPr>
+          <p:nvPr/>
+        </p:nvPicPr>
+        <p:blipFill>
+          <a:blip r:embed="rId2"/>
+          <a:stretch>
+            <a:fillRect/>
+          </a:stretch>
+        </p:blipFill>
+        <p:spPr>
+          <a:xfrm>
+            <a:off x="0" y="521845"/>
+            <a:ext cx="9144000" cy="4099810"/>
+          </a:xfrm>
+          <a:prstGeom prst="rect">
+            <a:avLst/>
+          </a:prstGeom>
+        </p:spPr>
+      </p:pic>
+    </p:spTree>
+    <p:extLst>
+      <p:ext uri="{BB962C8B-B14F-4D97-AF65-F5344CB8AC3E}">
+        <p14:creationId xmlns:p14="http://schemas.microsoft.com/office/powerpoint/2010/main" val="443467629"/>
+      </p:ext>
+    </p:extLst>
+  </p:cSld>
+  <p:clrMapOvr>
+    <a:masterClrMapping/>
+  </p:clrMapOvr>
+</p:sld>
+</file>
+
+<file path=ppt/slides/slide11.xml><?xml version="1.0" encoding="utf-8"?>
+<p:sld xmlns:a="http://schemas.openxmlformats.org/drawingml/2006/main" xmlns:r="http://schemas.openxmlformats.org/officeDocument/2006/relationships" xmlns:p="http://schemas.openxmlformats.org/presentationml/2006/main">
+  <p:cSld>
+    <p:spTree>
+      <p:nvGrpSpPr>
+        <p:cNvPr id="1" name="Shape 232"/>
+        <p:cNvGrpSpPr/>
+        <p:nvPr/>
+      </p:nvGrpSpPr>
+      <p:grpSpPr>
+        <a:xfrm>
+          <a:off x="0" y="0"/>
+          <a:ext cx="0" cy="0"/>
+          <a:chOff x="0" y="0"/>
+          <a:chExt cx="0" cy="0"/>
+        </a:xfrm>
+      </p:grpSpPr>
+      <p:sp>
+        <p:nvSpPr>
+          <p:cNvPr id="3" name="Title 2">
+            <a:extLst>
+              <a:ext uri="{FF2B5EF4-FFF2-40B4-BE49-F238E27FC236}">
+                <a16:creationId xmlns:a16="http://schemas.microsoft.com/office/drawing/2014/main" id="{E1C211A1-5E2A-74DC-799C-34CBAE03186E}"/>
+              </a:ext>
+            </a:extLst>
+          </p:cNvPr>
+          <p:cNvSpPr>
+            <a:spLocks noGrp="1"/>
+          </p:cNvSpPr>
+          <p:nvPr>
+            <p:ph type="title"/>
+          </p:nvPr>
+        </p:nvSpPr>
+        <p:spPr>
+          <a:xfrm>
+            <a:off x="608638" y="200391"/>
+            <a:ext cx="3021300" cy="482700"/>
+          </a:xfrm>
+        </p:spPr>
+        <p:txBody>
+          <a:bodyPr/>
+          <a:lstStyle/>
+          <a:p>
+            <a:r>
+              <a:rPr lang="en-IN" b="1" u="sng" dirty="0"/>
+              <a:t>Problem Solving Approach</a:t>
+            </a:r>
+          </a:p>
+        </p:txBody>
+      </p:sp>
+      <p:sp>
+        <p:nvSpPr>
+          <p:cNvPr id="5" name="TextBox 4">
+            <a:extLst>
+              <a:ext uri="{FF2B5EF4-FFF2-40B4-BE49-F238E27FC236}">
+                <a16:creationId xmlns:a16="http://schemas.microsoft.com/office/drawing/2014/main" id="{C40FB364-37CD-1A30-7B84-6D09914CABB3}"/>
+              </a:ext>
+            </a:extLst>
+          </p:cNvPr>
+          <p:cNvSpPr txBox="1"/>
+          <p:nvPr/>
+        </p:nvSpPr>
+        <p:spPr>
+          <a:xfrm>
+            <a:off x="-122184" y="1417588"/>
+            <a:ext cx="8319837" cy="2308324"/>
+          </a:xfrm>
+          <a:prstGeom prst="rect">
+            <a:avLst/>
+          </a:prstGeom>
+          <a:noFill/>
+        </p:spPr>
+        <p:txBody>
+          <a:bodyPr wrap="square">
+            <a:spAutoFit/>
+          </a:bodyPr>
+          <a:lstStyle/>
+          <a:p>
+            <a:endParaRPr lang="en-US" sz="1800" dirty="0"/>
+          </a:p>
+          <a:p>
+            <a:pPr marL="742950" lvl="1" indent="-285750">
+              <a:buFont typeface="Arial" panose="020B0604020202020204" pitchFamily="34" charset="0"/>
+              <a:buChar char="•"/>
+            </a:pPr>
+            <a:r>
+              <a:rPr lang="en-US" sz="1800" dirty="0"/>
+              <a:t>The idea is to find anomalies in the data, and then label them as either of speedbumps, potholes, other obstacles, normal driving.</a:t>
+            </a:r>
+          </a:p>
+          <a:p>
+            <a:pPr marL="742950" lvl="1" indent="-285750">
+              <a:buFont typeface="Arial" panose="020B0604020202020204" pitchFamily="34" charset="0"/>
+              <a:buChar char="•"/>
+            </a:pPr>
+            <a:endParaRPr lang="en-US" sz="1800" dirty="0"/>
+          </a:p>
+          <a:p>
+            <a:pPr marL="742950" lvl="1" indent="-285750">
+              <a:buFont typeface="Arial" panose="020B0604020202020204" pitchFamily="34" charset="0"/>
+              <a:buChar char="•"/>
+            </a:pPr>
+            <a:r>
+              <a:rPr lang="en-US" sz="1800" dirty="0"/>
+              <a:t>The proposed solution uses a combination of 2 techniques. </a:t>
+            </a:r>
+          </a:p>
+          <a:p>
+            <a:pPr marL="742950" lvl="1" indent="-285750">
+              <a:buFont typeface="Arial" panose="020B0604020202020204" pitchFamily="34" charset="0"/>
+              <a:buChar char="•"/>
+            </a:pPr>
+            <a:endParaRPr lang="en-US" sz="1800" dirty="0"/>
+          </a:p>
+          <a:p>
+            <a:pPr marL="742950" lvl="1" indent="-285750">
+              <a:buFont typeface="Arial" panose="020B0604020202020204" pitchFamily="34" charset="0"/>
+              <a:buChar char="•"/>
+            </a:pPr>
+            <a:r>
+              <a:rPr lang="en-US" sz="1800" b="1" dirty="0"/>
+              <a:t>Isolation Forest</a:t>
+            </a:r>
+            <a:r>
+              <a:rPr lang="en-US" sz="1800" dirty="0"/>
+              <a:t> to separate out the anomalies and a </a:t>
+            </a:r>
+            <a:r>
+              <a:rPr lang="en-US" sz="1800" b="1" dirty="0"/>
+              <a:t>k-means clustering </a:t>
+            </a:r>
+            <a:r>
+              <a:rPr lang="en-US" sz="1800" dirty="0"/>
+              <a:t>approach on the anomalies itself.</a:t>
+            </a:r>
+          </a:p>
+        </p:txBody>
+      </p:sp>
+    </p:spTree>
+  </p:cSld>
+  <p:clrMapOvr>
+    <a:masterClrMapping/>
+  </p:clrMapOvr>
+</p:sld>
+</file>
+
+<file path=ppt/slides/slide12.xml><?xml version="1.0" encoding="utf-8"?>
+<p:sld xmlns:a="http://schemas.openxmlformats.org/drawingml/2006/main" xmlns:r="http://schemas.openxmlformats.org/officeDocument/2006/relationships" xmlns:p="http://schemas.openxmlformats.org/presentationml/2006/main">
+  <p:cSld>
+    <p:spTree>
+      <p:nvGrpSpPr>
+        <p:cNvPr id="1" name="Shape 224"/>
+        <p:cNvGrpSpPr/>
+        <p:nvPr/>
+      </p:nvGrpSpPr>
+      <p:grpSpPr>
+        <a:xfrm>
+          <a:off x="0" y="0"/>
+          <a:ext cx="0" cy="0"/>
+          <a:chOff x="0" y="0"/>
+          <a:chExt cx="0" cy="0"/>
+        </a:xfrm>
+      </p:grpSpPr>
+      <p:sp>
+        <p:nvSpPr>
+          <p:cNvPr id="225" name="Google Shape;225;p35"/>
+          <p:cNvSpPr txBox="1">
+            <a:spLocks noGrp="1"/>
+          </p:cNvSpPr>
+          <p:nvPr>
+            <p:ph type="title"/>
+          </p:nvPr>
+        </p:nvSpPr>
+        <p:spPr>
+          <a:xfrm>
+            <a:off x="4461641" y="1460434"/>
+            <a:ext cx="3858775" cy="841800"/>
+          </a:xfrm>
+          <a:prstGeom prst="rect">
+            <a:avLst/>
+          </a:prstGeom>
+        </p:spPr>
+        <p:txBody>
+          <a:bodyPr spcFirstLastPara="1" wrap="square" lIns="91425" tIns="91425" rIns="91425" bIns="91425" anchor="ctr" anchorCtr="0">
+            <a:noAutofit/>
+          </a:bodyPr>
+          <a:lstStyle/>
+          <a:p>
+            <a:pPr marL="0" lvl="0" indent="0" algn="r" rtl="0">
+              <a:spcBef>
+                <a:spcPts val="0"/>
+              </a:spcBef>
+              <a:spcAft>
+                <a:spcPts val="0"/>
+              </a:spcAft>
+              <a:buNone/>
+            </a:pPr>
+            <a:r>
+              <a:rPr lang="en" dirty="0"/>
+              <a:t>Feature</a:t>
+            </a:r>
+            <a:br>
+              <a:rPr lang="en" dirty="0"/>
+            </a:br>
+            <a:r>
+              <a:rPr lang="en" dirty="0"/>
+              <a:t>Engineering</a:t>
+            </a:r>
+            <a:endParaRPr dirty="0"/>
+          </a:p>
+        </p:txBody>
+      </p:sp>
+      <p:sp>
+        <p:nvSpPr>
+          <p:cNvPr id="226" name="Google Shape;226;p35"/>
+          <p:cNvSpPr txBox="1">
+            <a:spLocks noGrp="1"/>
+          </p:cNvSpPr>
+          <p:nvPr>
+            <p:ph type="title" idx="2"/>
+          </p:nvPr>
+        </p:nvSpPr>
+        <p:spPr>
+          <a:xfrm>
+            <a:off x="7307513" y="453096"/>
+            <a:ext cx="1288800" cy="841800"/>
+          </a:xfrm>
+          <a:prstGeom prst="rect">
+            <a:avLst/>
+          </a:prstGeom>
+        </p:spPr>
+        <p:txBody>
+          <a:bodyPr spcFirstLastPara="1" wrap="square" lIns="91425" tIns="91425" rIns="91425" bIns="91425" anchor="ctr" anchorCtr="0">
+            <a:noAutofit/>
+          </a:bodyPr>
+          <a:lstStyle/>
+          <a:p>
+            <a:pPr marL="0" lvl="0" indent="0" algn="l" rtl="0">
+              <a:spcBef>
+                <a:spcPts val="0"/>
+              </a:spcBef>
+              <a:spcAft>
+                <a:spcPts val="0"/>
+              </a:spcAft>
+              <a:buNone/>
+            </a:pPr>
+            <a:r>
+              <a:rPr lang="en" dirty="0"/>
+              <a:t>03</a:t>
+            </a:r>
+            <a:endParaRPr dirty="0"/>
+          </a:p>
+        </p:txBody>
+      </p:sp>
+    </p:spTree>
+    <p:extLst>
+      <p:ext uri="{BB962C8B-B14F-4D97-AF65-F5344CB8AC3E}">
+        <p14:creationId xmlns:p14="http://schemas.microsoft.com/office/powerpoint/2010/main" val="3261986232"/>
+      </p:ext>
+    </p:extLst>
+  </p:cSld>
+  <p:clrMapOvr>
+    <a:masterClrMapping/>
+  </p:clrMapOvr>
+</p:sld>
+</file>
+
+<file path=ppt/slides/slide13.xml><?xml version="1.0" encoding="utf-8"?>
+<p:sld xmlns:a="http://schemas.openxmlformats.org/drawingml/2006/main" xmlns:r="http://schemas.openxmlformats.org/officeDocument/2006/relationships" xmlns:p="http://schemas.openxmlformats.org/presentationml/2006/main">
+  <p:cSld>
+    <p:spTree>
+      <p:nvGrpSpPr>
+        <p:cNvPr id="1" name="Shape 232"/>
+        <p:cNvGrpSpPr/>
+        <p:nvPr/>
+      </p:nvGrpSpPr>
+      <p:grpSpPr>
+        <a:xfrm>
+          <a:off x="0" y="0"/>
+          <a:ext cx="0" cy="0"/>
+          <a:chOff x="0" y="0"/>
+          <a:chExt cx="0" cy="0"/>
+        </a:xfrm>
+      </p:grpSpPr>
+      <p:sp>
+        <p:nvSpPr>
+          <p:cNvPr id="3" name="Title 2">
+            <a:extLst>
+              <a:ext uri="{FF2B5EF4-FFF2-40B4-BE49-F238E27FC236}">
+                <a16:creationId xmlns:a16="http://schemas.microsoft.com/office/drawing/2014/main" id="{E1C211A1-5E2A-74DC-799C-34CBAE03186E}"/>
+              </a:ext>
+            </a:extLst>
+          </p:cNvPr>
+          <p:cNvSpPr>
+            <a:spLocks noGrp="1"/>
+          </p:cNvSpPr>
+          <p:nvPr>
+            <p:ph type="title"/>
+          </p:nvPr>
+        </p:nvSpPr>
+        <p:spPr>
+          <a:xfrm>
+            <a:off x="608637" y="200391"/>
+            <a:ext cx="4228057" cy="482700"/>
+          </a:xfrm>
+        </p:spPr>
+        <p:txBody>
+          <a:bodyPr/>
+          <a:lstStyle/>
+          <a:p>
+            <a:r>
+              <a:rPr lang="en-IN" dirty="0"/>
+              <a:t>Feature Engineering</a:t>
+            </a:r>
+          </a:p>
+        </p:txBody>
+      </p:sp>
+      <p:sp>
+        <p:nvSpPr>
+          <p:cNvPr id="6" name="Rectangle 2">
+            <a:extLst>
+              <a:ext uri="{FF2B5EF4-FFF2-40B4-BE49-F238E27FC236}">
+                <a16:creationId xmlns:a16="http://schemas.microsoft.com/office/drawing/2014/main" id="{DAE45A86-CFD0-AB05-94FA-BE77FCF5DA61}"/>
+              </a:ext>
+            </a:extLst>
+          </p:cNvPr>
+          <p:cNvSpPr>
+            <a:spLocks noChangeArrowheads="1"/>
+          </p:cNvSpPr>
+          <p:nvPr/>
+        </p:nvSpPr>
+        <p:spPr bwMode="auto">
+          <a:xfrm rot="10800000" flipV="1">
+            <a:off x="608637" y="2230734"/>
+            <a:ext cx="7330966" cy="1200329"/>
+          </a:xfrm>
+          <a:prstGeom prst="rect">
+            <a:avLst/>
+          </a:prstGeom>
+          <a:noFill/>
+          <a:ln>
+            <a:noFill/>
+          </a:ln>
+          <a:effectLst/>
+          <a:extLst>
+            <a:ext uri="{909E8E84-426E-40DD-AFC4-6F175D3DCCD1}">
+              <a14:hiddenFill xmlns:a14="http://schemas.microsoft.com/office/drawing/2010/main">
+                <a:solidFill>
+                  <a:schemeClr val="accent1"/>
+                </a:solidFill>
+              </a14:hiddenFill>
+            </a:ext>
+            <a:ext uri="{91240B29-F687-4F45-9708-019B960494DF}">
+              <a14:hiddenLine xmlns:a14="http://schemas.microsoft.com/office/drawing/2010/main" w="9525">
+                <a:solidFill>
+                  <a:schemeClr val="tx1"/>
+                </a:solidFill>
+                <a:miter lim="800000"/>
+                <a:headEnd/>
+                <a:tailEnd/>
+              </a14:hiddenLine>
+            </a:ext>
+            <a:ext uri="{AF507438-7753-43E0-B8FC-AC1667EBCBE1}">
+              <a14:hiddenEffects xmlns:a14="http://schemas.microsoft.com/office/drawing/2010/main">
+                <a:effectLst>
+                  <a:outerShdw dist="35921" dir="2700000" algn="ctr" rotWithShape="0">
+                    <a:schemeClr val="bg2"/>
+                  </a:outerShdw>
+                </a:effectLst>
+              </a14:hiddenEffects>
+            </a:ext>
+          </a:extLst>
+        </p:spPr>
+        <p:txBody>
+          <a:bodyPr vert="horz" wrap="square" lIns="91440" tIns="45720" rIns="91440" bIns="45720" numCol="1" anchor="ctr" anchorCtr="0" compatLnSpc="1">
+            <a:prstTxWarp prst="textNoShape">
+              <a:avLst/>
+            </a:prstTxWarp>
+            <a:spAutoFit/>
+          </a:bodyPr>
+          <a:lstStyle/>
+          <a:p>
+            <a:pPr marL="285750" marR="0" lvl="0" indent="-285750" algn="l" defTabSz="914400" rtl="0" eaLnBrk="0" fontAlgn="base" latinLnBrk="0" hangingPunct="0">
+              <a:lnSpc>
+                <a:spcPct val="100000"/>
+              </a:lnSpc>
+              <a:spcBef>
+                <a:spcPct val="0"/>
+              </a:spcBef>
+              <a:spcAft>
+                <a:spcPct val="0"/>
+              </a:spcAft>
+              <a:buClrTx/>
+              <a:buSzTx/>
+              <a:buFont typeface="Arial" panose="020B0604020202020204" pitchFamily="34" charset="0"/>
+              <a:buChar char="•"/>
+              <a:tabLst/>
+            </a:pPr>
+            <a:r>
+              <a:rPr lang="en-US" altLang="en-US" sz="1800" dirty="0">
+                <a:solidFill>
+                  <a:schemeClr val="tx1"/>
+                </a:solidFill>
+                <a:latin typeface="Arial" panose="020B0604020202020204" pitchFamily="34" charset="0"/>
+              </a:rPr>
+              <a:t>Since we saw a perfect co-relation between </a:t>
+            </a:r>
+            <a:r>
+              <a:rPr lang="en-US" altLang="en-US" sz="1800" dirty="0" err="1">
+                <a:solidFill>
+                  <a:schemeClr val="tx1"/>
+                </a:solidFill>
+                <a:latin typeface="Arial" panose="020B0604020202020204" pitchFamily="34" charset="0"/>
+              </a:rPr>
+              <a:t>acc_z</a:t>
+            </a:r>
+            <a:r>
+              <a:rPr lang="en-US" altLang="en-US" sz="1800" dirty="0">
+                <a:solidFill>
+                  <a:schemeClr val="tx1"/>
+                </a:solidFill>
+                <a:latin typeface="Arial" panose="020B0604020202020204" pitchFamily="34" charset="0"/>
+              </a:rPr>
+              <a:t> and the magnitude, it becomes redundant to include both together as a critical feature. </a:t>
+            </a:r>
+          </a:p>
+          <a:p>
+            <a:pPr marL="285750" marR="0" lvl="0" indent="-285750" algn="l" defTabSz="914400" rtl="0" eaLnBrk="0" fontAlgn="base" latinLnBrk="0" hangingPunct="0">
+              <a:lnSpc>
+                <a:spcPct val="100000"/>
+              </a:lnSpc>
+              <a:spcBef>
+                <a:spcPct val="0"/>
+              </a:spcBef>
+              <a:spcAft>
+                <a:spcPct val="0"/>
+              </a:spcAft>
+              <a:buClrTx/>
+              <a:buSzTx/>
+              <a:buFont typeface="Arial" panose="020B0604020202020204" pitchFamily="34" charset="0"/>
+              <a:buChar char="•"/>
+              <a:tabLst/>
+            </a:pPr>
+            <a:r>
+              <a:rPr lang="en-US" altLang="en-US" sz="1800" dirty="0">
+                <a:solidFill>
+                  <a:schemeClr val="tx1"/>
+                </a:solidFill>
+                <a:latin typeface="Arial" panose="020B0604020202020204" pitchFamily="34" charset="0"/>
+              </a:rPr>
+              <a:t>Speed variations can also be considered  important.</a:t>
+            </a:r>
+            <a:endParaRPr kumimoji="0" lang="en-US" altLang="en-US" sz="1800" b="0" i="0" u="none" strike="noStrike" cap="none" normalizeH="0" baseline="0" dirty="0">
+              <a:ln>
+                <a:noFill/>
+              </a:ln>
+              <a:solidFill>
+                <a:schemeClr val="tx1"/>
+              </a:solidFill>
+              <a:effectLst/>
+              <a:latin typeface="Arial" panose="020B0604020202020204" pitchFamily="34" charset="0"/>
+            </a:endParaRPr>
+          </a:p>
+        </p:txBody>
+      </p:sp>
+    </p:spTree>
+    <p:extLst>
+      <p:ext uri="{BB962C8B-B14F-4D97-AF65-F5344CB8AC3E}">
+        <p14:creationId xmlns:p14="http://schemas.microsoft.com/office/powerpoint/2010/main" val="3223695440"/>
+      </p:ext>
+    </p:extLst>
+  </p:cSld>
+  <p:clrMapOvr>
+    <a:masterClrMapping/>
+  </p:clrMapOvr>
+</p:sld>
+</file>
+
+<file path=ppt/slides/slide14.xml><?xml version="1.0" encoding="utf-8"?>
+<p:sld xmlns:a="http://schemas.openxmlformats.org/drawingml/2006/main" xmlns:r="http://schemas.openxmlformats.org/officeDocument/2006/relationships" xmlns:p="http://schemas.openxmlformats.org/presentationml/2006/main">
+  <p:cSld>
+    <p:spTree>
+      <p:nvGrpSpPr>
+        <p:cNvPr id="1" name=""/>
+        <p:cNvGrpSpPr/>
+        <p:nvPr/>
+      </p:nvGrpSpPr>
+      <p:grpSpPr>
+        <a:xfrm>
+          <a:off x="0" y="0"/>
+          <a:ext cx="0" cy="0"/>
+          <a:chOff x="0" y="0"/>
+          <a:chExt cx="0" cy="0"/>
+        </a:xfrm>
+      </p:grpSpPr>
+      <p:sp>
+        <p:nvSpPr>
+          <p:cNvPr id="2" name="Title 1">
+            <a:extLst>
+              <a:ext uri="{FF2B5EF4-FFF2-40B4-BE49-F238E27FC236}">
+                <a16:creationId xmlns:a16="http://schemas.microsoft.com/office/drawing/2014/main" id="{C1AD44DA-3C06-FCFA-334F-754698182539}"/>
+              </a:ext>
+            </a:extLst>
+          </p:cNvPr>
+          <p:cNvSpPr>
+            <a:spLocks noGrp="1"/>
+          </p:cNvSpPr>
+          <p:nvPr>
+            <p:ph type="title"/>
+          </p:nvPr>
+        </p:nvSpPr>
+        <p:spPr/>
+        <p:txBody>
+          <a:bodyPr/>
+          <a:lstStyle/>
+          <a:p>
+            <a:endParaRPr lang="en-IN"/>
+          </a:p>
+        </p:txBody>
+      </p:sp>
+      <p:pic>
+        <p:nvPicPr>
+          <p:cNvPr id="4" name="Picture 3">
+            <a:extLst>
+              <a:ext uri="{FF2B5EF4-FFF2-40B4-BE49-F238E27FC236}">
+                <a16:creationId xmlns:a16="http://schemas.microsoft.com/office/drawing/2014/main" id="{2184FC6F-DF94-3E6F-2DBA-FE24A5E10CF8}"/>
+              </a:ext>
+            </a:extLst>
+          </p:cNvPr>
+          <p:cNvPicPr>
+            <a:picLocks noChangeAspect="1"/>
+          </p:cNvPicPr>
+          <p:nvPr/>
+        </p:nvPicPr>
+        <p:blipFill>
+          <a:blip r:embed="rId2"/>
+          <a:stretch>
+            <a:fillRect/>
+          </a:stretch>
+        </p:blipFill>
+        <p:spPr>
+          <a:xfrm>
+            <a:off x="688509" y="0"/>
+            <a:ext cx="7766981" cy="5143500"/>
+          </a:xfrm>
+          <a:prstGeom prst="rect">
+            <a:avLst/>
+          </a:prstGeom>
+        </p:spPr>
+      </p:pic>
+    </p:spTree>
+    <p:extLst>
+      <p:ext uri="{BB962C8B-B14F-4D97-AF65-F5344CB8AC3E}">
+        <p14:creationId xmlns:p14="http://schemas.microsoft.com/office/powerpoint/2010/main" val="2712238694"/>
+      </p:ext>
+    </p:extLst>
+  </p:cSld>
+  <p:clrMapOvr>
+    <a:masterClrMapping/>
+  </p:clrMapOvr>
+</p:sld>
+</file>
+
+<file path=ppt/slides/slide15.xml><?xml version="1.0" encoding="utf-8"?>
+<p:sld xmlns:a="http://schemas.openxmlformats.org/drawingml/2006/main" xmlns:r="http://schemas.openxmlformats.org/officeDocument/2006/relationships" xmlns:p="http://schemas.openxmlformats.org/presentationml/2006/main">
+  <p:cSld>
+    <p:spTree>
+      <p:nvGrpSpPr>
+        <p:cNvPr id="1" name="Shape 224"/>
+        <p:cNvGrpSpPr/>
+        <p:nvPr/>
+      </p:nvGrpSpPr>
+      <p:grpSpPr>
+        <a:xfrm>
+          <a:off x="0" y="0"/>
+          <a:ext cx="0" cy="0"/>
+          <a:chOff x="0" y="0"/>
+          <a:chExt cx="0" cy="0"/>
+        </a:xfrm>
+      </p:grpSpPr>
+      <p:sp>
+        <p:nvSpPr>
+          <p:cNvPr id="225" name="Google Shape;225;p35"/>
+          <p:cNvSpPr txBox="1">
+            <a:spLocks noGrp="1"/>
+          </p:cNvSpPr>
+          <p:nvPr>
+            <p:ph type="title"/>
+          </p:nvPr>
+        </p:nvSpPr>
+        <p:spPr>
+          <a:xfrm>
+            <a:off x="4449652" y="3880441"/>
+            <a:ext cx="3858775" cy="841800"/>
+          </a:xfrm>
+          <a:prstGeom prst="rect">
+            <a:avLst/>
+          </a:prstGeom>
+        </p:spPr>
+        <p:txBody>
+          <a:bodyPr spcFirstLastPara="1" wrap="square" lIns="91425" tIns="91425" rIns="91425" bIns="91425" anchor="ctr" anchorCtr="0">
+            <a:noAutofit/>
+          </a:bodyPr>
+          <a:lstStyle/>
+          <a:p>
+            <a:pPr marL="0" lvl="0" indent="0" algn="r" rtl="0">
+              <a:spcBef>
+                <a:spcPts val="0"/>
+              </a:spcBef>
+              <a:spcAft>
+                <a:spcPts val="0"/>
+              </a:spcAft>
+              <a:buNone/>
+            </a:pPr>
+            <a:r>
+              <a:rPr lang="en" dirty="0"/>
+              <a:t>Clustering Approach</a:t>
+            </a:r>
+            <a:endParaRPr dirty="0"/>
+          </a:p>
+        </p:txBody>
+      </p:sp>
+      <p:sp>
+        <p:nvSpPr>
+          <p:cNvPr id="226" name="Google Shape;226;p35"/>
+          <p:cNvSpPr txBox="1">
+            <a:spLocks noGrp="1"/>
+          </p:cNvSpPr>
+          <p:nvPr>
+            <p:ph type="title" idx="2"/>
+          </p:nvPr>
+        </p:nvSpPr>
+        <p:spPr>
+          <a:xfrm>
+            <a:off x="7242135" y="2872950"/>
+            <a:ext cx="1288800" cy="841800"/>
+          </a:xfrm>
+          <a:prstGeom prst="rect">
+            <a:avLst/>
+          </a:prstGeom>
+        </p:spPr>
+        <p:txBody>
+          <a:bodyPr spcFirstLastPara="1" wrap="square" lIns="91425" tIns="91425" rIns="91425" bIns="91425" anchor="ctr" anchorCtr="0">
+            <a:noAutofit/>
+          </a:bodyPr>
+          <a:lstStyle/>
+          <a:p>
+            <a:pPr marL="0" lvl="0" indent="0" algn="l" rtl="0">
+              <a:spcBef>
+                <a:spcPts val="0"/>
+              </a:spcBef>
+              <a:spcAft>
+                <a:spcPts val="0"/>
+              </a:spcAft>
+              <a:buNone/>
+            </a:pPr>
+            <a:r>
+              <a:rPr lang="en" dirty="0"/>
+              <a:t>04</a:t>
+            </a:r>
+            <a:endParaRPr dirty="0"/>
+          </a:p>
+        </p:txBody>
+      </p:sp>
+    </p:spTree>
+    <p:extLst>
+      <p:ext uri="{BB962C8B-B14F-4D97-AF65-F5344CB8AC3E}">
+        <p14:creationId xmlns:p14="http://schemas.microsoft.com/office/powerpoint/2010/main" val="940551071"/>
+      </p:ext>
+    </p:extLst>
+  </p:cSld>
+  <p:clrMapOvr>
+    <a:masterClrMapping/>
+  </p:clrMapOvr>
+</p:sld>
+</file>
+
+<file path=ppt/slides/slide16.xml><?xml version="1.0" encoding="utf-8"?>
+<p:sld xmlns:a="http://schemas.openxmlformats.org/drawingml/2006/main" xmlns:r="http://schemas.openxmlformats.org/officeDocument/2006/relationships" xmlns:p="http://schemas.openxmlformats.org/presentationml/2006/main">
+  <p:cSld>
+    <p:spTree>
+      <p:nvGrpSpPr>
         <p:cNvPr id="1" name="Shape 232"/>
         <p:cNvGrpSpPr/>
         <p:nvPr/>
@@ -9212,8 +10031,8 @@
         </p:nvSpPr>
         <p:spPr>
           <a:xfrm>
-            <a:off x="608637" y="1240109"/>
-            <a:ext cx="6493422" cy="3555332"/>
+            <a:off x="608637" y="1429295"/>
+            <a:ext cx="6493422" cy="2816669"/>
           </a:xfrm>
           <a:prstGeom prst="rect">
             <a:avLst/>
@@ -9281,7 +10100,7 @@
             </a:r>
             <a:r>
               <a:rPr lang="en-US" sz="1600" b="1" dirty="0"/>
-              <a:t>normal driving, potholes, and speed bumps</a:t>
+              <a:t>cracks, smaller obstacles and speed bumps</a:t>
             </a:r>
             <a:r>
               <a:rPr lang="en-US" sz="1600" dirty="0"/>
@@ -9303,19 +10122,6 @@
             <a:r>
               <a:rPr lang="en-US" sz="1600" dirty="0"/>
               <a:t>to ensure equal importance for each.</a:t>
-            </a:r>
-          </a:p>
-          <a:p>
-            <a:pPr marL="742950" lvl="1" indent="-285750">
-              <a:lnSpc>
-                <a:spcPct val="150000"/>
-              </a:lnSpc>
-              <a:buFont typeface="Arial" panose="020B0604020202020204" pitchFamily="34" charset="0"/>
-              <a:buChar char="•"/>
-            </a:pPr>
-            <a:r>
-              <a:rPr lang="en-US" sz="1600" dirty="0"/>
-              <a:t>Mapped cluster labels to human-readable classes: "Probably Normal," "Probably Pothole," and "Probably Speed Bump."</a:t>
             </a:r>
           </a:p>
         </p:txBody>
@@ -9333,7 +10139,7 @@
 </p:sld>
 </file>
 
-<file path=ppt/slides/slide11.xml><?xml version="1.0" encoding="utf-8"?>
+<file path=ppt/slides/slide17.xml><?xml version="1.0" encoding="utf-8"?>
 <p:sld xmlns:a="http://schemas.openxmlformats.org/drawingml/2006/main" xmlns:r="http://schemas.openxmlformats.org/officeDocument/2006/relationships" xmlns:p="http://schemas.openxmlformats.org/presentationml/2006/main">
   <p:cSld>
     <p:spTree>
@@ -9454,7 +10260,7 @@
 </p:sld>
 </file>
 
-<file path=ppt/slides/slide12.xml><?xml version="1.0" encoding="utf-8"?>
+<file path=ppt/slides/slide18.xml><?xml version="1.0" encoding="utf-8"?>
 <p:sld xmlns:a="http://schemas.openxmlformats.org/drawingml/2006/main" xmlns:r="http://schemas.openxmlformats.org/officeDocument/2006/relationships" xmlns:p="http://schemas.openxmlformats.org/presentationml/2006/main">
   <p:cSld>
     <p:spTree>
@@ -9473,374 +10279,94 @@
       </p:grpSpPr>
       <p:pic>
         <p:nvPicPr>
-          <p:cNvPr id="5122" name="Picture 2">
+          <p:cNvPr id="3" name="Picture 2">
             <a:extLst>
               <a:ext uri="{FF2B5EF4-FFF2-40B4-BE49-F238E27FC236}">
-                <a16:creationId xmlns:a16="http://schemas.microsoft.com/office/drawing/2014/main" id="{455ECDEB-8AAE-3FC7-B384-0ECFD83F704D}"/>
+                <a16:creationId xmlns:a16="http://schemas.microsoft.com/office/drawing/2014/main" id="{02A1EB7D-92A0-0D25-DD74-718E1D5D2369}"/>
               </a:ext>
             </a:extLst>
           </p:cNvPr>
           <p:cNvPicPr>
-            <a:picLocks noChangeAspect="1" noChangeArrowheads="1"/>
+            <a:picLocks noChangeAspect="1"/>
           </p:cNvPicPr>
           <p:nvPr/>
         </p:nvPicPr>
         <p:blipFill>
-          <a:blip r:embed="rId2">
-            <a:extLst>
-              <a:ext uri="{28A0092B-C50C-407E-A947-70E740481C1C}">
-                <a14:useLocalDpi xmlns:a14="http://schemas.microsoft.com/office/drawing/2010/main" val="0"/>
-              </a:ext>
-            </a:extLst>
-          </a:blip>
-          <a:srcRect/>
+          <a:blip r:embed="rId2"/>
           <a:stretch>
             <a:fillRect/>
           </a:stretch>
         </p:blipFill>
-        <p:spPr bwMode="auto">
+        <p:spPr>
           <a:xfrm>
-            <a:off x="2442232" y="0"/>
-            <a:ext cx="6701768" cy="4709947"/>
+            <a:off x="3090042" y="690223"/>
+            <a:ext cx="5255224" cy="3501349"/>
           </a:xfrm>
           <a:prstGeom prst="rect">
             <a:avLst/>
           </a:prstGeom>
-          <a:noFill/>
-          <a:extLst>
-            <a:ext uri="{909E8E84-426E-40DD-AFC4-6F175D3DCCD1}">
-              <a14:hiddenFill xmlns:a14="http://schemas.microsoft.com/office/drawing/2010/main">
-                <a:solidFill>
-                  <a:srgbClr val="FFFFFF"/>
-                </a:solidFill>
-              </a14:hiddenFill>
-            </a:ext>
-          </a:extLst>
         </p:spPr>
       </p:pic>
-      <p:graphicFrame>
-        <p:nvGraphicFramePr>
-          <p:cNvPr id="5" name="Table 5">
+      <p:pic>
+        <p:nvPicPr>
+          <p:cNvPr id="9" name="Picture 8">
             <a:extLst>
               <a:ext uri="{FF2B5EF4-FFF2-40B4-BE49-F238E27FC236}">
-                <a16:creationId xmlns:a16="http://schemas.microsoft.com/office/drawing/2014/main" id="{2B5FD9CA-28BA-5C03-15E6-CE23ACC70372}"/>
+                <a16:creationId xmlns:a16="http://schemas.microsoft.com/office/drawing/2014/main" id="{66F295D1-5970-B067-4479-63C072CBA675}"/>
               </a:ext>
             </a:extLst>
           </p:cNvPr>
-          <p:cNvGraphicFramePr>
-            <a:graphicFrameLocks noGrp="1"/>
-          </p:cNvGraphicFramePr>
-          <p:nvPr>
-            <p:extLst>
-              <p:ext uri="{D42A27DB-BD31-4B8C-83A1-F6EECF244321}">
-                <p14:modId xmlns:p14="http://schemas.microsoft.com/office/powerpoint/2010/main" val="350554313"/>
-              </p:ext>
-            </p:extLst>
-          </p:nvPr>
-        </p:nvGraphicFramePr>
-        <p:xfrm>
-          <a:off x="158367" y="1126050"/>
-          <a:ext cx="2065281" cy="1314848"/>
-        </p:xfrm>
-        <a:graphic>
-          <a:graphicData uri="http://schemas.openxmlformats.org/drawingml/2006/table">
-            <a:tbl>
-              <a:tblPr firstRow="1" bandRow="1" bandCol="1">
-                <a:tableStyleId>{7E9639D4-E3E2-4D34-9284-5A2195B3D0D7}</a:tableStyleId>
-              </a:tblPr>
-              <a:tblGrid>
-                <a:gridCol w="1044538">
-                  <a:extLst>
-                    <a:ext uri="{9D8B030D-6E8A-4147-A177-3AD203B41FA5}">
-                      <a16:colId xmlns:a16="http://schemas.microsoft.com/office/drawing/2014/main" val="2077660775"/>
-                    </a:ext>
-                  </a:extLst>
-                </a:gridCol>
-                <a:gridCol w="1020743">
-                  <a:extLst>
-                    <a:ext uri="{9D8B030D-6E8A-4147-A177-3AD203B41FA5}">
-                      <a16:colId xmlns:a16="http://schemas.microsoft.com/office/drawing/2014/main" val="158608539"/>
-                    </a:ext>
-                  </a:extLst>
-                </a:gridCol>
-              </a:tblGrid>
-              <a:tr h="221435">
-                <a:tc>
-                  <a:txBody>
-                    <a:bodyPr/>
-                    <a:lstStyle/>
-                    <a:p>
-                      <a:pPr algn="ctr"/>
-                      <a:r>
-                        <a:rPr lang="en-IN" dirty="0"/>
-                        <a:t>Class</a:t>
-                      </a:r>
-                    </a:p>
-                  </a:txBody>
-                  <a:tcPr/>
-                </a:tc>
-                <a:tc>
-                  <a:txBody>
-                    <a:bodyPr/>
-                    <a:lstStyle/>
-                    <a:p>
-                      <a:pPr algn="ctr"/>
-                      <a:r>
-                        <a:rPr lang="en-IN" dirty="0"/>
-                        <a:t>Count</a:t>
-                      </a:r>
-                    </a:p>
-                  </a:txBody>
-                  <a:tcPr/>
-                </a:tc>
-                <a:extLst>
-                  <a:ext uri="{0D108BD9-81ED-4DB2-BD59-A6C34878D82A}">
-                    <a16:rowId xmlns:a16="http://schemas.microsoft.com/office/drawing/2014/main" val="193765943"/>
-                  </a:ext>
-                </a:extLst>
-              </a:tr>
-              <a:tr h="278528">
-                <a:tc>
-                  <a:txBody>
-                    <a:bodyPr/>
-                    <a:lstStyle/>
-                    <a:p>
-                      <a:pPr algn="ctr"/>
-                      <a:r>
-                        <a:rPr lang="en-IN" sz="900" dirty="0"/>
-                        <a:t>Probably Normal</a:t>
-                      </a:r>
-                    </a:p>
-                  </a:txBody>
-                  <a:tcPr/>
-                </a:tc>
-                <a:tc>
-                  <a:txBody>
-                    <a:bodyPr/>
-                    <a:lstStyle/>
-                    <a:p>
-                      <a:pPr algn="ctr"/>
-                      <a:r>
-                        <a:rPr lang="en-IN" sz="900" dirty="0"/>
-                        <a:t>155074</a:t>
-                      </a:r>
-                    </a:p>
-                  </a:txBody>
-                  <a:tcPr/>
-                </a:tc>
-                <a:extLst>
-                  <a:ext uri="{0D108BD9-81ED-4DB2-BD59-A6C34878D82A}">
-                    <a16:rowId xmlns:a16="http://schemas.microsoft.com/office/drawing/2014/main" val="3714886701"/>
-                  </a:ext>
-                </a:extLst>
-              </a:tr>
-              <a:tr h="365368">
-                <a:tc>
-                  <a:txBody>
-                    <a:bodyPr/>
-                    <a:lstStyle/>
-                    <a:p>
-                      <a:pPr algn="ctr"/>
-                      <a:r>
-                        <a:rPr lang="en-IN" sz="900" dirty="0"/>
-                        <a:t>Probably Speed Bump</a:t>
-                      </a:r>
-                    </a:p>
-                  </a:txBody>
-                  <a:tcPr/>
-                </a:tc>
-                <a:tc>
-                  <a:txBody>
-                    <a:bodyPr/>
-                    <a:lstStyle/>
-                    <a:p>
-                      <a:pPr algn="ctr"/>
-                      <a:r>
-                        <a:rPr lang="en-IN" sz="900" dirty="0"/>
-                        <a:t>55734</a:t>
-                      </a:r>
-                    </a:p>
-                  </a:txBody>
-                  <a:tcPr/>
-                </a:tc>
-                <a:extLst>
-                  <a:ext uri="{0D108BD9-81ED-4DB2-BD59-A6C34878D82A}">
-                    <a16:rowId xmlns:a16="http://schemas.microsoft.com/office/drawing/2014/main" val="700700158"/>
-                  </a:ext>
-                </a:extLst>
-              </a:tr>
-              <a:tr h="278528">
-                <a:tc>
-                  <a:txBody>
-                    <a:bodyPr/>
-                    <a:lstStyle/>
-                    <a:p>
-                      <a:pPr algn="ctr"/>
-                      <a:r>
-                        <a:rPr lang="en-IN" sz="900" dirty="0"/>
-                        <a:t>Probably Pothole</a:t>
-                      </a:r>
-                    </a:p>
-                  </a:txBody>
-                  <a:tcPr/>
-                </a:tc>
-                <a:tc>
-                  <a:txBody>
-                    <a:bodyPr/>
-                    <a:lstStyle/>
-                    <a:p>
-                      <a:pPr algn="ctr"/>
-                      <a:r>
-                        <a:rPr lang="en-IN" sz="900" dirty="0"/>
-                        <a:t>51635</a:t>
-                      </a:r>
-                    </a:p>
-                  </a:txBody>
-                  <a:tcPr/>
-                </a:tc>
-                <a:extLst>
-                  <a:ext uri="{0D108BD9-81ED-4DB2-BD59-A6C34878D82A}">
-                    <a16:rowId xmlns:a16="http://schemas.microsoft.com/office/drawing/2014/main" val="3690019305"/>
-                  </a:ext>
-                </a:extLst>
-              </a:tr>
-            </a:tbl>
-          </a:graphicData>
-        </a:graphic>
-      </p:graphicFrame>
-      <p:graphicFrame>
-        <p:nvGraphicFramePr>
-          <p:cNvPr id="6" name="Object 5">
-            <a:extLst>
-              <a:ext uri="{FF2B5EF4-FFF2-40B4-BE49-F238E27FC236}">
-                <a16:creationId xmlns:a16="http://schemas.microsoft.com/office/drawing/2014/main" id="{F72919D4-0DE9-5964-FA7F-DC8C5A3C0440}"/>
-              </a:ext>
-            </a:extLst>
-          </p:cNvPr>
-          <p:cNvGraphicFramePr>
-            <a:graphicFrameLocks noChangeAspect="1"/>
-          </p:cNvGraphicFramePr>
-          <p:nvPr>
-            <p:extLst>
-              <p:ext uri="{D42A27DB-BD31-4B8C-83A1-F6EECF244321}">
-                <p14:modId xmlns:p14="http://schemas.microsoft.com/office/powerpoint/2010/main" val="4025666627"/>
-              </p:ext>
-            </p:extLst>
-          </p:nvPr>
-        </p:nvGraphicFramePr>
-        <p:xfrm>
-          <a:off x="87422" y="3161972"/>
-          <a:ext cx="2229086" cy="574456"/>
-        </p:xfrm>
-        <a:graphic>
-          <a:graphicData uri="http://schemas.openxmlformats.org/presentationml/2006/ole">
-            <mc:AlternateContent xmlns:mc="http://schemas.openxmlformats.org/markup-compatibility/2006">
-              <mc:Choice xmlns:v="urn:schemas-microsoft-com:vml" Requires="v">
-                <p:oleObj name="Worksheet" r:id="rId3" imgW="2883073" imgH="742884" progId="Excel.Sheet.12">
-                  <p:embed/>
-                </p:oleObj>
-              </mc:Choice>
-              <mc:Fallback>
-                <p:oleObj name="Worksheet" r:id="rId3" imgW="2883073" imgH="742884" progId="Excel.Sheet.12">
-                  <p:embed/>
-                  <p:pic>
-                    <p:nvPicPr>
-                      <p:cNvPr id="0" name=""/>
-                      <p:cNvPicPr/>
-                      <p:nvPr/>
-                    </p:nvPicPr>
-                    <p:blipFill>
-                      <a:blip r:embed="rId4"/>
-                      <a:stretch>
-                        <a:fillRect/>
-                      </a:stretch>
-                    </p:blipFill>
-                    <p:spPr>
-                      <a:xfrm>
-                        <a:off x="87422" y="3161972"/>
-                        <a:ext cx="2229086" cy="574456"/>
-                      </a:xfrm>
-                      <a:prstGeom prst="rect">
-                        <a:avLst/>
-                      </a:prstGeom>
-                    </p:spPr>
-                  </p:pic>
-                </p:oleObj>
-              </mc:Fallback>
-            </mc:AlternateContent>
-          </a:graphicData>
-        </a:graphic>
-      </p:graphicFrame>
-      <p:sp>
-        <p:nvSpPr>
-          <p:cNvPr id="7" name="TextBox 6">
-            <a:extLst>
-              <a:ext uri="{FF2B5EF4-FFF2-40B4-BE49-F238E27FC236}">
-                <a16:creationId xmlns:a16="http://schemas.microsoft.com/office/drawing/2014/main" id="{B68E6F97-5B55-C533-3914-5DF77772663A}"/>
-              </a:ext>
-            </a:extLst>
-          </p:cNvPr>
-          <p:cNvSpPr txBox="1"/>
+          <p:cNvPicPr>
+            <a:picLocks noChangeAspect="1"/>
+          </p:cNvPicPr>
           <p:nvPr/>
-        </p:nvSpPr>
+        </p:nvPicPr>
+        <p:blipFill>
+          <a:blip r:embed="rId3"/>
+          <a:stretch>
+            <a:fillRect/>
+          </a:stretch>
+        </p:blipFill>
         <p:spPr>
           <a:xfrm>
-            <a:off x="169324" y="2854195"/>
-            <a:ext cx="2065281" cy="307777"/>
+            <a:off x="204952" y="288073"/>
+            <a:ext cx="2585545" cy="1504702"/>
           </a:xfrm>
           <a:prstGeom prst="rect">
             <a:avLst/>
           </a:prstGeom>
-          <a:noFill/>
         </p:spPr>
-        <p:txBody>
-          <a:bodyPr wrap="square" rtlCol="0">
-            <a:spAutoFit/>
-          </a:bodyPr>
-          <a:lstStyle/>
-          <a:p>
-            <a:r>
-              <a:rPr lang="en-IN" dirty="0"/>
-              <a:t>Centroid Pair Distances</a:t>
-            </a:r>
-          </a:p>
-        </p:txBody>
-      </p:sp>
-      <p:sp>
-        <p:nvSpPr>
-          <p:cNvPr id="8" name="TextBox 7">
+      </p:pic>
+      <p:pic>
+        <p:nvPicPr>
+          <p:cNvPr id="11" name="Picture 10">
             <a:extLst>
               <a:ext uri="{FF2B5EF4-FFF2-40B4-BE49-F238E27FC236}">
-                <a16:creationId xmlns:a16="http://schemas.microsoft.com/office/drawing/2014/main" id="{B2A081A0-B5E5-47D3-8406-84F99A29F795}"/>
+                <a16:creationId xmlns:a16="http://schemas.microsoft.com/office/drawing/2014/main" id="{4C2E03A1-C446-C656-E0DA-73D31DE7768C}"/>
               </a:ext>
             </a:extLst>
           </p:cNvPr>
-          <p:cNvSpPr txBox="1"/>
+          <p:cNvPicPr>
+            <a:picLocks noChangeAspect="1"/>
+          </p:cNvPicPr>
           <p:nvPr/>
-        </p:nvSpPr>
+        </p:nvPicPr>
+        <p:blipFill>
+          <a:blip r:embed="rId4"/>
+          <a:stretch>
+            <a:fillRect/>
+          </a:stretch>
+        </p:blipFill>
         <p:spPr>
           <a:xfrm>
-            <a:off x="390040" y="811925"/>
-            <a:ext cx="1623848" cy="307777"/>
+            <a:off x="204952" y="4566677"/>
+            <a:ext cx="4429743" cy="314369"/>
           </a:xfrm>
           <a:prstGeom prst="rect">
             <a:avLst/>
           </a:prstGeom>
-          <a:noFill/>
         </p:spPr>
-        <p:txBody>
-          <a:bodyPr wrap="square" rtlCol="0">
-            <a:spAutoFit/>
-          </a:bodyPr>
-          <a:lstStyle/>
-          <a:p>
-            <a:r>
-              <a:rPr lang="en-IN" dirty="0"/>
-              <a:t>Class Distribution</a:t>
-            </a:r>
-          </a:p>
-        </p:txBody>
-      </p:sp>
+      </p:pic>
     </p:spTree>
     <p:extLst>
       <p:ext uri="{BB962C8B-B14F-4D97-AF65-F5344CB8AC3E}">
@@ -9854,7 +10380,7 @@
 </p:sld>
 </file>
 
-<file path=ppt/slides/slide13.xml><?xml version="1.0" encoding="utf-8"?>
+<file path=ppt/slides/slide19.xml><?xml version="1.0" encoding="utf-8"?>
 <p:sld xmlns:a="http://schemas.openxmlformats.org/drawingml/2006/main" xmlns:r="http://schemas.openxmlformats.org/officeDocument/2006/relationships" xmlns:p="http://schemas.openxmlformats.org/presentationml/2006/main">
   <p:cSld>
     <p:spTree>
@@ -9876,7 +10402,7 @@
           <p:cNvPr id="2" name="Title 1">
             <a:extLst>
               <a:ext uri="{FF2B5EF4-FFF2-40B4-BE49-F238E27FC236}">
-                <a16:creationId xmlns:a16="http://schemas.microsoft.com/office/drawing/2014/main" id="{B065D9C2-3CE1-C65B-FF43-4EC8528221A1}"/>
+                <a16:creationId xmlns:a16="http://schemas.microsoft.com/office/drawing/2014/main" id="{45BD4AF9-095B-281E-1931-11D0FBEE5100}"/>
               </a:ext>
             </a:extLst>
           </p:cNvPr>
@@ -9887,27 +10413,92 @@
             <p:ph type="title"/>
           </p:nvPr>
         </p:nvSpPr>
-        <p:spPr>
-          <a:xfrm>
-            <a:off x="3160650" y="2150850"/>
-            <a:ext cx="2822700" cy="841800"/>
-          </a:xfrm>
-        </p:spPr>
+        <p:spPr/>
         <p:txBody>
           <a:bodyPr/>
           <a:lstStyle/>
           <a:p>
-            <a:r>
-              <a:rPr lang="en-IN" dirty="0"/>
-              <a:t>Thank You</a:t>
-            </a:r>
+            <a:endParaRPr lang="en-IN"/>
           </a:p>
         </p:txBody>
       </p:sp>
+      <p:sp>
+        <p:nvSpPr>
+          <p:cNvPr id="3" name="Title 2">
+            <a:extLst>
+              <a:ext uri="{FF2B5EF4-FFF2-40B4-BE49-F238E27FC236}">
+                <a16:creationId xmlns:a16="http://schemas.microsoft.com/office/drawing/2014/main" id="{266D4EDE-D706-15A9-3A88-29FA163374FE}"/>
+              </a:ext>
+            </a:extLst>
+          </p:cNvPr>
+          <p:cNvSpPr>
+            <a:spLocks noGrp="1"/>
+          </p:cNvSpPr>
+          <p:nvPr>
+            <p:ph type="title" idx="2"/>
+          </p:nvPr>
+        </p:nvSpPr>
+        <p:spPr/>
+        <p:txBody>
+          <a:bodyPr/>
+          <a:lstStyle/>
+          <a:p>
+            <a:endParaRPr lang="en-IN"/>
+          </a:p>
+        </p:txBody>
+      </p:sp>
+      <p:sp>
+        <p:nvSpPr>
+          <p:cNvPr id="4" name="Picture Placeholder 3">
+            <a:extLst>
+              <a:ext uri="{FF2B5EF4-FFF2-40B4-BE49-F238E27FC236}">
+                <a16:creationId xmlns:a16="http://schemas.microsoft.com/office/drawing/2014/main" id="{D3E0F748-4EEE-5AF6-2657-EA7C39A1BB96}"/>
+              </a:ext>
+            </a:extLst>
+          </p:cNvPr>
+          <p:cNvSpPr>
+            <a:spLocks noGrp="1"/>
+          </p:cNvSpPr>
+          <p:nvPr>
+            <p:ph type="pic" idx="3"/>
+          </p:nvPr>
+        </p:nvSpPr>
+        <p:spPr/>
+      </p:sp>
+      <p:pic>
+        <p:nvPicPr>
+          <p:cNvPr id="6" name="Picture 5">
+            <a:extLst>
+              <a:ext uri="{FF2B5EF4-FFF2-40B4-BE49-F238E27FC236}">
+                <a16:creationId xmlns:a16="http://schemas.microsoft.com/office/drawing/2014/main" id="{4657F481-9576-79DF-590B-843293487643}"/>
+              </a:ext>
+            </a:extLst>
+          </p:cNvPr>
+          <p:cNvPicPr>
+            <a:picLocks noChangeAspect="1"/>
+          </p:cNvPicPr>
+          <p:nvPr/>
+        </p:nvPicPr>
+        <p:blipFill>
+          <a:blip r:embed="rId2"/>
+          <a:stretch>
+            <a:fillRect/>
+          </a:stretch>
+        </p:blipFill>
+        <p:spPr>
+          <a:xfrm>
+            <a:off x="1828800" y="404812"/>
+            <a:ext cx="5486400" cy="4333875"/>
+          </a:xfrm>
+          <a:prstGeom prst="rect">
+            <a:avLst/>
+          </a:prstGeom>
+        </p:spPr>
+      </p:pic>
     </p:spTree>
     <p:extLst>
       <p:ext uri="{BB962C8B-B14F-4D97-AF65-F5344CB8AC3E}">
-        <p14:creationId xmlns:p14="http://schemas.microsoft.com/office/powerpoint/2010/main" val="3539740200"/>
+        <p14:creationId xmlns:p14="http://schemas.microsoft.com/office/powerpoint/2010/main" val="3408974986"/>
       </p:ext>
     </p:extLst>
   </p:cSld>
@@ -10397,6 +10988,877 @@
         </p:txBody>
       </p:sp>
     </p:spTree>
+  </p:cSld>
+  <p:clrMapOvr>
+    <a:masterClrMapping/>
+  </p:clrMapOvr>
+</p:sld>
+</file>
+
+<file path=ppt/slides/slide20.xml><?xml version="1.0" encoding="utf-8"?>
+<p:sld xmlns:a="http://schemas.openxmlformats.org/drawingml/2006/main" xmlns:r="http://schemas.openxmlformats.org/officeDocument/2006/relationships" xmlns:p="http://schemas.openxmlformats.org/presentationml/2006/main">
+  <p:cSld>
+    <p:spTree>
+      <p:nvGrpSpPr>
+        <p:cNvPr id="1" name=""/>
+        <p:cNvGrpSpPr/>
+        <p:nvPr/>
+      </p:nvGrpSpPr>
+      <p:grpSpPr>
+        <a:xfrm>
+          <a:off x="0" y="0"/>
+          <a:ext cx="0" cy="0"/>
+          <a:chOff x="0" y="0"/>
+          <a:chExt cx="0" cy="0"/>
+        </a:xfrm>
+      </p:grpSpPr>
+      <p:sp>
+        <p:nvSpPr>
+          <p:cNvPr id="2" name="Title 1">
+            <a:extLst>
+              <a:ext uri="{FF2B5EF4-FFF2-40B4-BE49-F238E27FC236}">
+                <a16:creationId xmlns:a16="http://schemas.microsoft.com/office/drawing/2014/main" id="{D614F3BC-4B62-F9B9-938C-D2E102B36A21}"/>
+              </a:ext>
+            </a:extLst>
+          </p:cNvPr>
+          <p:cNvSpPr>
+            <a:spLocks noGrp="1"/>
+          </p:cNvSpPr>
+          <p:nvPr>
+            <p:ph type="title"/>
+          </p:nvPr>
+        </p:nvSpPr>
+        <p:spPr>
+          <a:xfrm>
+            <a:off x="713225" y="3762200"/>
+            <a:ext cx="4284444" cy="841800"/>
+          </a:xfrm>
+        </p:spPr>
+        <p:txBody>
+          <a:bodyPr/>
+          <a:lstStyle/>
+          <a:p>
+            <a:r>
+              <a:rPr lang="en-IN" dirty="0"/>
+              <a:t>Inconsistencies in the Dataset</a:t>
+            </a:r>
+          </a:p>
+        </p:txBody>
+      </p:sp>
+      <p:sp>
+        <p:nvSpPr>
+          <p:cNvPr id="4" name="Picture Placeholder 3">
+            <a:extLst>
+              <a:ext uri="{FF2B5EF4-FFF2-40B4-BE49-F238E27FC236}">
+                <a16:creationId xmlns:a16="http://schemas.microsoft.com/office/drawing/2014/main" id="{57F200F8-6CDF-E61E-B320-4789A52DAFEB}"/>
+              </a:ext>
+            </a:extLst>
+          </p:cNvPr>
+          <p:cNvSpPr>
+            <a:spLocks noGrp="1"/>
+          </p:cNvSpPr>
+          <p:nvPr>
+            <p:ph type="pic" idx="3"/>
+          </p:nvPr>
+        </p:nvSpPr>
+        <p:spPr/>
+      </p:sp>
+    </p:spTree>
+    <p:extLst>
+      <p:ext uri="{BB962C8B-B14F-4D97-AF65-F5344CB8AC3E}">
+        <p14:creationId xmlns:p14="http://schemas.microsoft.com/office/powerpoint/2010/main" val="558341810"/>
+      </p:ext>
+    </p:extLst>
+  </p:cSld>
+  <p:clrMapOvr>
+    <a:masterClrMapping/>
+  </p:clrMapOvr>
+</p:sld>
+</file>
+
+<file path=ppt/slides/slide21.xml><?xml version="1.0" encoding="utf-8"?>
+<p:sld xmlns:a="http://schemas.openxmlformats.org/drawingml/2006/main" xmlns:r="http://schemas.openxmlformats.org/officeDocument/2006/relationships" xmlns:p="http://schemas.openxmlformats.org/presentationml/2006/main">
+  <p:cSld>
+    <p:spTree>
+      <p:nvGrpSpPr>
+        <p:cNvPr id="1" name=""/>
+        <p:cNvGrpSpPr/>
+        <p:nvPr/>
+      </p:nvGrpSpPr>
+      <p:grpSpPr>
+        <a:xfrm>
+          <a:off x="0" y="0"/>
+          <a:ext cx="0" cy="0"/>
+          <a:chOff x="0" y="0"/>
+          <a:chExt cx="0" cy="0"/>
+        </a:xfrm>
+      </p:grpSpPr>
+      <p:sp>
+        <p:nvSpPr>
+          <p:cNvPr id="2" name="Title 1">
+            <a:extLst>
+              <a:ext uri="{FF2B5EF4-FFF2-40B4-BE49-F238E27FC236}">
+                <a16:creationId xmlns:a16="http://schemas.microsoft.com/office/drawing/2014/main" id="{2299B630-90A8-8136-9933-4A088ABD6534}"/>
+              </a:ext>
+            </a:extLst>
+          </p:cNvPr>
+          <p:cNvSpPr>
+            <a:spLocks noGrp="1"/>
+          </p:cNvSpPr>
+          <p:nvPr>
+            <p:ph type="title"/>
+          </p:nvPr>
+        </p:nvSpPr>
+        <p:spPr/>
+        <p:txBody>
+          <a:bodyPr/>
+          <a:lstStyle/>
+          <a:p>
+            <a:endParaRPr lang="en-IN"/>
+          </a:p>
+        </p:txBody>
+      </p:sp>
+      <p:sp>
+        <p:nvSpPr>
+          <p:cNvPr id="3" name="Title 2">
+            <a:extLst>
+              <a:ext uri="{FF2B5EF4-FFF2-40B4-BE49-F238E27FC236}">
+                <a16:creationId xmlns:a16="http://schemas.microsoft.com/office/drawing/2014/main" id="{5AB15DD8-FC91-059A-B224-AB6F768D9DFE}"/>
+              </a:ext>
+            </a:extLst>
+          </p:cNvPr>
+          <p:cNvSpPr>
+            <a:spLocks noGrp="1"/>
+          </p:cNvSpPr>
+          <p:nvPr>
+            <p:ph type="title" idx="2"/>
+          </p:nvPr>
+        </p:nvSpPr>
+        <p:spPr/>
+        <p:txBody>
+          <a:bodyPr/>
+          <a:lstStyle/>
+          <a:p>
+            <a:endParaRPr lang="en-IN"/>
+          </a:p>
+        </p:txBody>
+      </p:sp>
+      <p:sp>
+        <p:nvSpPr>
+          <p:cNvPr id="4" name="Picture Placeholder 3">
+            <a:extLst>
+              <a:ext uri="{FF2B5EF4-FFF2-40B4-BE49-F238E27FC236}">
+                <a16:creationId xmlns:a16="http://schemas.microsoft.com/office/drawing/2014/main" id="{E2CFF472-1063-2EAC-E002-9A3A8CA5F141}"/>
+              </a:ext>
+            </a:extLst>
+          </p:cNvPr>
+          <p:cNvSpPr>
+            <a:spLocks noGrp="1"/>
+          </p:cNvSpPr>
+          <p:nvPr>
+            <p:ph type="pic" idx="3"/>
+          </p:nvPr>
+        </p:nvSpPr>
+        <p:spPr/>
+      </p:sp>
+      <p:pic>
+        <p:nvPicPr>
+          <p:cNvPr id="6" name="Picture 5">
+            <a:extLst>
+              <a:ext uri="{FF2B5EF4-FFF2-40B4-BE49-F238E27FC236}">
+                <a16:creationId xmlns:a16="http://schemas.microsoft.com/office/drawing/2014/main" id="{9062F281-298F-3AD3-DB49-67A30CC59CA6}"/>
+              </a:ext>
+            </a:extLst>
+          </p:cNvPr>
+          <p:cNvPicPr>
+            <a:picLocks noGrp="1" noRot="1" noChangeAspect="1" noMove="1" noResize="1" noEditPoints="1" noAdjustHandles="1" noChangeArrowheads="1" noChangeShapeType="1" noCrop="1"/>
+          </p:cNvPicPr>
+          <p:nvPr/>
+        </p:nvPicPr>
+        <p:blipFill>
+          <a:blip r:embed="rId2"/>
+          <a:stretch>
+            <a:fillRect/>
+          </a:stretch>
+        </p:blipFill>
+        <p:spPr>
+          <a:xfrm>
+            <a:off x="55180" y="682862"/>
+            <a:ext cx="9144000" cy="4099810"/>
+          </a:xfrm>
+          <a:prstGeom prst="rect">
+            <a:avLst/>
+          </a:prstGeom>
+        </p:spPr>
+      </p:pic>
+      <p:sp>
+        <p:nvSpPr>
+          <p:cNvPr id="7" name="Oval 6">
+            <a:extLst>
+              <a:ext uri="{FF2B5EF4-FFF2-40B4-BE49-F238E27FC236}">
+                <a16:creationId xmlns:a16="http://schemas.microsoft.com/office/drawing/2014/main" id="{1F129467-D746-170D-EE71-38AD9659056A}"/>
+              </a:ext>
+            </a:extLst>
+          </p:cNvPr>
+          <p:cNvSpPr/>
+          <p:nvPr/>
+        </p:nvSpPr>
+        <p:spPr>
+          <a:xfrm>
+            <a:off x="3413234" y="2885090"/>
+            <a:ext cx="197069" cy="197069"/>
+          </a:xfrm>
+          <a:prstGeom prst="ellipse">
+            <a:avLst/>
+          </a:prstGeom>
+          <a:noFill/>
+          <a:ln>
+            <a:solidFill>
+              <a:srgbClr val="FF0000"/>
+            </a:solidFill>
+          </a:ln>
+        </p:spPr>
+        <p:style>
+          <a:lnRef idx="2">
+            <a:schemeClr val="accent1">
+              <a:shade val="50000"/>
+            </a:schemeClr>
+          </a:lnRef>
+          <a:fillRef idx="1">
+            <a:schemeClr val="accent1"/>
+          </a:fillRef>
+          <a:effectRef idx="0">
+            <a:schemeClr val="accent1"/>
+          </a:effectRef>
+          <a:fontRef idx="minor">
+            <a:schemeClr val="lt1"/>
+          </a:fontRef>
+        </p:style>
+        <p:txBody>
+          <a:bodyPr rtlCol="0" anchor="ctr"/>
+          <a:lstStyle/>
+          <a:p>
+            <a:pPr algn="ctr"/>
+            <a:endParaRPr lang="en-IN"/>
+          </a:p>
+        </p:txBody>
+      </p:sp>
+      <p:sp>
+        <p:nvSpPr>
+          <p:cNvPr id="8" name="Oval 7">
+            <a:extLst>
+              <a:ext uri="{FF2B5EF4-FFF2-40B4-BE49-F238E27FC236}">
+                <a16:creationId xmlns:a16="http://schemas.microsoft.com/office/drawing/2014/main" id="{8D6D5A1A-A35B-44B0-C69C-EA6EDA62D0C7}"/>
+              </a:ext>
+            </a:extLst>
+          </p:cNvPr>
+          <p:cNvSpPr/>
+          <p:nvPr/>
+        </p:nvSpPr>
+        <p:spPr>
+          <a:xfrm>
+            <a:off x="7034047" y="948559"/>
+            <a:ext cx="197069" cy="197069"/>
+          </a:xfrm>
+          <a:prstGeom prst="ellipse">
+            <a:avLst/>
+          </a:prstGeom>
+          <a:noFill/>
+          <a:ln>
+            <a:solidFill>
+              <a:srgbClr val="FF0000"/>
+            </a:solidFill>
+          </a:ln>
+        </p:spPr>
+        <p:style>
+          <a:lnRef idx="2">
+            <a:schemeClr val="accent1">
+              <a:shade val="50000"/>
+            </a:schemeClr>
+          </a:lnRef>
+          <a:fillRef idx="1">
+            <a:schemeClr val="accent1"/>
+          </a:fillRef>
+          <a:effectRef idx="0">
+            <a:schemeClr val="accent1"/>
+          </a:effectRef>
+          <a:fontRef idx="minor">
+            <a:schemeClr val="lt1"/>
+          </a:fontRef>
+        </p:style>
+        <p:txBody>
+          <a:bodyPr rtlCol="0" anchor="ctr"/>
+          <a:lstStyle/>
+          <a:p>
+            <a:pPr algn="ctr"/>
+            <a:endParaRPr lang="en-IN"/>
+          </a:p>
+        </p:txBody>
+      </p:sp>
+      <p:sp>
+        <p:nvSpPr>
+          <p:cNvPr id="9" name="Oval 8">
+            <a:extLst>
+              <a:ext uri="{FF2B5EF4-FFF2-40B4-BE49-F238E27FC236}">
+                <a16:creationId xmlns:a16="http://schemas.microsoft.com/office/drawing/2014/main" id="{BD9698F4-87BF-F78D-8F3E-25EF9CB82F7F}"/>
+              </a:ext>
+            </a:extLst>
+          </p:cNvPr>
+          <p:cNvSpPr/>
+          <p:nvPr/>
+        </p:nvSpPr>
+        <p:spPr>
+          <a:xfrm>
+            <a:off x="8547180" y="1234966"/>
+            <a:ext cx="197069" cy="197069"/>
+          </a:xfrm>
+          <a:prstGeom prst="ellipse">
+            <a:avLst/>
+          </a:prstGeom>
+          <a:noFill/>
+          <a:ln>
+            <a:solidFill>
+              <a:srgbClr val="FF0000"/>
+            </a:solidFill>
+          </a:ln>
+        </p:spPr>
+        <p:style>
+          <a:lnRef idx="2">
+            <a:schemeClr val="accent1">
+              <a:shade val="50000"/>
+            </a:schemeClr>
+          </a:lnRef>
+          <a:fillRef idx="1">
+            <a:schemeClr val="accent1"/>
+          </a:fillRef>
+          <a:effectRef idx="0">
+            <a:schemeClr val="accent1"/>
+          </a:effectRef>
+          <a:fontRef idx="minor">
+            <a:schemeClr val="lt1"/>
+          </a:fontRef>
+        </p:style>
+        <p:txBody>
+          <a:bodyPr rtlCol="0" anchor="ctr"/>
+          <a:lstStyle/>
+          <a:p>
+            <a:pPr algn="ctr"/>
+            <a:endParaRPr lang="en-IN"/>
+          </a:p>
+        </p:txBody>
+      </p:sp>
+      <p:sp>
+        <p:nvSpPr>
+          <p:cNvPr id="10" name="Oval 9">
+            <a:extLst>
+              <a:ext uri="{FF2B5EF4-FFF2-40B4-BE49-F238E27FC236}">
+                <a16:creationId xmlns:a16="http://schemas.microsoft.com/office/drawing/2014/main" id="{84AA56F5-2398-BF39-55D1-1537F1C034B3}"/>
+              </a:ext>
+            </a:extLst>
+          </p:cNvPr>
+          <p:cNvSpPr/>
+          <p:nvPr/>
+        </p:nvSpPr>
+        <p:spPr>
+          <a:xfrm>
+            <a:off x="5369915" y="1349498"/>
+            <a:ext cx="197069" cy="197069"/>
+          </a:xfrm>
+          <a:prstGeom prst="ellipse">
+            <a:avLst/>
+          </a:prstGeom>
+          <a:noFill/>
+          <a:ln>
+            <a:solidFill>
+              <a:srgbClr val="FF0000"/>
+            </a:solidFill>
+          </a:ln>
+        </p:spPr>
+        <p:style>
+          <a:lnRef idx="2">
+            <a:schemeClr val="accent1">
+              <a:shade val="50000"/>
+            </a:schemeClr>
+          </a:lnRef>
+          <a:fillRef idx="1">
+            <a:schemeClr val="accent1"/>
+          </a:fillRef>
+          <a:effectRef idx="0">
+            <a:schemeClr val="accent1"/>
+          </a:effectRef>
+          <a:fontRef idx="minor">
+            <a:schemeClr val="lt1"/>
+          </a:fontRef>
+        </p:style>
+        <p:txBody>
+          <a:bodyPr rtlCol="0" anchor="ctr"/>
+          <a:lstStyle/>
+          <a:p>
+            <a:pPr algn="ctr"/>
+            <a:endParaRPr lang="en-IN"/>
+          </a:p>
+        </p:txBody>
+      </p:sp>
+      <p:cxnSp>
+        <p:nvCxnSpPr>
+          <p:cNvPr id="12" name="Straight Arrow Connector 11">
+            <a:extLst>
+              <a:ext uri="{FF2B5EF4-FFF2-40B4-BE49-F238E27FC236}">
+                <a16:creationId xmlns:a16="http://schemas.microsoft.com/office/drawing/2014/main" id="{2A158415-26B4-5363-182B-012B193EE89D}"/>
+              </a:ext>
+            </a:extLst>
+          </p:cNvPr>
+          <p:cNvCxnSpPr>
+            <a:stCxn id="7" idx="2"/>
+          </p:cNvCxnSpPr>
+          <p:nvPr/>
+        </p:nvCxnSpPr>
+        <p:spPr>
+          <a:xfrm flipH="1" flipV="1">
+            <a:off x="2877207" y="2983624"/>
+            <a:ext cx="536027" cy="1"/>
+          </a:xfrm>
+          <a:prstGeom prst="straightConnector1">
+            <a:avLst/>
+          </a:prstGeom>
+          <a:ln>
+            <a:solidFill>
+              <a:srgbClr val="FF0000"/>
+            </a:solidFill>
+            <a:headEnd type="triangle"/>
+            <a:tailEnd type="triangle"/>
+          </a:ln>
+        </p:spPr>
+        <p:style>
+          <a:lnRef idx="1">
+            <a:schemeClr val="accent1"/>
+          </a:lnRef>
+          <a:fillRef idx="0">
+            <a:schemeClr val="accent1"/>
+          </a:fillRef>
+          <a:effectRef idx="0">
+            <a:schemeClr val="accent1"/>
+          </a:effectRef>
+          <a:fontRef idx="minor">
+            <a:schemeClr val="tx1"/>
+          </a:fontRef>
+        </p:style>
+      </p:cxnSp>
+      <p:cxnSp>
+        <p:nvCxnSpPr>
+          <p:cNvPr id="13" name="Straight Arrow Connector 12">
+            <a:extLst>
+              <a:ext uri="{FF2B5EF4-FFF2-40B4-BE49-F238E27FC236}">
+                <a16:creationId xmlns:a16="http://schemas.microsoft.com/office/drawing/2014/main" id="{D075C7F7-8266-3064-B3EE-22AB3BDA1758}"/>
+              </a:ext>
+            </a:extLst>
+          </p:cNvPr>
+          <p:cNvCxnSpPr>
+            <a:cxnSpLocks/>
+          </p:cNvCxnSpPr>
+          <p:nvPr/>
+        </p:nvCxnSpPr>
+        <p:spPr>
+          <a:xfrm flipH="1">
+            <a:off x="4727685" y="1448032"/>
+            <a:ext cx="642230" cy="0"/>
+          </a:xfrm>
+          <a:prstGeom prst="straightConnector1">
+            <a:avLst/>
+          </a:prstGeom>
+          <a:ln>
+            <a:solidFill>
+              <a:srgbClr val="FF0000"/>
+            </a:solidFill>
+            <a:headEnd type="triangle"/>
+            <a:tailEnd type="triangle"/>
+          </a:ln>
+        </p:spPr>
+        <p:style>
+          <a:lnRef idx="1">
+            <a:schemeClr val="accent1"/>
+          </a:lnRef>
+          <a:fillRef idx="0">
+            <a:schemeClr val="accent1"/>
+          </a:fillRef>
+          <a:effectRef idx="0">
+            <a:schemeClr val="accent1"/>
+          </a:effectRef>
+          <a:fontRef idx="minor">
+            <a:schemeClr val="tx1"/>
+          </a:fontRef>
+        </p:style>
+      </p:cxnSp>
+      <p:cxnSp>
+        <p:nvCxnSpPr>
+          <p:cNvPr id="15" name="Straight Arrow Connector 14">
+            <a:extLst>
+              <a:ext uri="{FF2B5EF4-FFF2-40B4-BE49-F238E27FC236}">
+                <a16:creationId xmlns:a16="http://schemas.microsoft.com/office/drawing/2014/main" id="{36EE7259-CFC5-7665-F5E9-D7E4AFC93B5B}"/>
+              </a:ext>
+            </a:extLst>
+          </p:cNvPr>
+          <p:cNvCxnSpPr>
+            <a:cxnSpLocks/>
+          </p:cNvCxnSpPr>
+          <p:nvPr/>
+        </p:nvCxnSpPr>
+        <p:spPr>
+          <a:xfrm flipH="1" flipV="1">
+            <a:off x="6659318" y="1047093"/>
+            <a:ext cx="374729" cy="1"/>
+          </a:xfrm>
+          <a:prstGeom prst="straightConnector1">
+            <a:avLst/>
+          </a:prstGeom>
+          <a:ln>
+            <a:solidFill>
+              <a:srgbClr val="FF0000"/>
+            </a:solidFill>
+            <a:headEnd type="triangle"/>
+            <a:tailEnd type="triangle"/>
+          </a:ln>
+        </p:spPr>
+        <p:style>
+          <a:lnRef idx="1">
+            <a:schemeClr val="accent1"/>
+          </a:lnRef>
+          <a:fillRef idx="0">
+            <a:schemeClr val="accent1"/>
+          </a:fillRef>
+          <a:effectRef idx="0">
+            <a:schemeClr val="accent1"/>
+          </a:effectRef>
+          <a:fontRef idx="minor">
+            <a:schemeClr val="tx1"/>
+          </a:fontRef>
+        </p:style>
+      </p:cxnSp>
+      <p:cxnSp>
+        <p:nvCxnSpPr>
+          <p:cNvPr id="17" name="Straight Arrow Connector 16">
+            <a:extLst>
+              <a:ext uri="{FF2B5EF4-FFF2-40B4-BE49-F238E27FC236}">
+                <a16:creationId xmlns:a16="http://schemas.microsoft.com/office/drawing/2014/main" id="{6EDDEA9E-A905-2616-563D-F32078E06F24}"/>
+              </a:ext>
+            </a:extLst>
+          </p:cNvPr>
+          <p:cNvCxnSpPr>
+            <a:cxnSpLocks/>
+          </p:cNvCxnSpPr>
+          <p:nvPr/>
+        </p:nvCxnSpPr>
+        <p:spPr>
+          <a:xfrm flipH="1">
+            <a:off x="8308428" y="1333500"/>
+            <a:ext cx="279301" cy="0"/>
+          </a:xfrm>
+          <a:prstGeom prst="straightConnector1">
+            <a:avLst/>
+          </a:prstGeom>
+          <a:ln>
+            <a:solidFill>
+              <a:srgbClr val="FF0000"/>
+            </a:solidFill>
+            <a:headEnd type="triangle"/>
+            <a:tailEnd type="triangle"/>
+          </a:ln>
+        </p:spPr>
+        <p:style>
+          <a:lnRef idx="1">
+            <a:schemeClr val="accent1"/>
+          </a:lnRef>
+          <a:fillRef idx="0">
+            <a:schemeClr val="accent1"/>
+          </a:fillRef>
+          <a:effectRef idx="0">
+            <a:schemeClr val="accent1"/>
+          </a:effectRef>
+          <a:fontRef idx="minor">
+            <a:schemeClr val="tx1"/>
+          </a:fontRef>
+        </p:style>
+      </p:cxnSp>
+      <p:sp>
+        <p:nvSpPr>
+          <p:cNvPr id="19" name="Oval 18">
+            <a:extLst>
+              <a:ext uri="{FF2B5EF4-FFF2-40B4-BE49-F238E27FC236}">
+                <a16:creationId xmlns:a16="http://schemas.microsoft.com/office/drawing/2014/main" id="{00BE3A9E-AFBC-97A8-6E01-E257C5BEF6D5}"/>
+              </a:ext>
+            </a:extLst>
+          </p:cNvPr>
+          <p:cNvSpPr/>
+          <p:nvPr/>
+        </p:nvSpPr>
+        <p:spPr>
+          <a:xfrm>
+            <a:off x="357352" y="720832"/>
+            <a:ext cx="300694" cy="227727"/>
+          </a:xfrm>
+          <a:prstGeom prst="ellipse">
+            <a:avLst/>
+          </a:prstGeom>
+          <a:noFill/>
+          <a:ln>
+            <a:solidFill>
+              <a:srgbClr val="FF0000"/>
+            </a:solidFill>
+          </a:ln>
+        </p:spPr>
+        <p:style>
+          <a:lnRef idx="2">
+            <a:schemeClr val="accent1">
+              <a:shade val="50000"/>
+            </a:schemeClr>
+          </a:lnRef>
+          <a:fillRef idx="1">
+            <a:schemeClr val="accent1"/>
+          </a:fillRef>
+          <a:effectRef idx="0">
+            <a:schemeClr val="accent1"/>
+          </a:effectRef>
+          <a:fontRef idx="minor">
+            <a:schemeClr val="lt1"/>
+          </a:fontRef>
+        </p:style>
+        <p:txBody>
+          <a:bodyPr rtlCol="0" anchor="ctr"/>
+          <a:lstStyle/>
+          <a:p>
+            <a:pPr algn="ctr"/>
+            <a:endParaRPr lang="en-IN"/>
+          </a:p>
+        </p:txBody>
+      </p:sp>
+    </p:spTree>
+    <p:extLst>
+      <p:ext uri="{BB962C8B-B14F-4D97-AF65-F5344CB8AC3E}">
+        <p14:creationId xmlns:p14="http://schemas.microsoft.com/office/powerpoint/2010/main" val="3146147371"/>
+      </p:ext>
+    </p:extLst>
+  </p:cSld>
+  <p:clrMapOvr>
+    <a:masterClrMapping/>
+  </p:clrMapOvr>
+</p:sld>
+</file>
+
+<file path=ppt/slides/slide22.xml><?xml version="1.0" encoding="utf-8"?>
+<p:sld xmlns:a="http://schemas.openxmlformats.org/drawingml/2006/main" xmlns:r="http://schemas.openxmlformats.org/officeDocument/2006/relationships" xmlns:p="http://schemas.openxmlformats.org/presentationml/2006/main">
+  <p:cSld>
+    <p:spTree>
+      <p:nvGrpSpPr>
+        <p:cNvPr id="1" name=""/>
+        <p:cNvGrpSpPr/>
+        <p:nvPr/>
+      </p:nvGrpSpPr>
+      <p:grpSpPr>
+        <a:xfrm>
+          <a:off x="0" y="0"/>
+          <a:ext cx="0" cy="0"/>
+          <a:chOff x="0" y="0"/>
+          <a:chExt cx="0" cy="0"/>
+        </a:xfrm>
+      </p:grpSpPr>
+      <p:sp>
+        <p:nvSpPr>
+          <p:cNvPr id="2" name="Title 1">
+            <a:extLst>
+              <a:ext uri="{FF2B5EF4-FFF2-40B4-BE49-F238E27FC236}">
+                <a16:creationId xmlns:a16="http://schemas.microsoft.com/office/drawing/2014/main" id="{92BF41B7-55C3-08E8-5931-8DE72869469C}"/>
+              </a:ext>
+            </a:extLst>
+          </p:cNvPr>
+          <p:cNvSpPr>
+            <a:spLocks noGrp="1"/>
+          </p:cNvSpPr>
+          <p:nvPr>
+            <p:ph type="title"/>
+          </p:nvPr>
+        </p:nvSpPr>
+        <p:spPr/>
+        <p:txBody>
+          <a:bodyPr/>
+          <a:lstStyle/>
+          <a:p>
+            <a:endParaRPr lang="en-IN"/>
+          </a:p>
+        </p:txBody>
+      </p:sp>
+      <p:sp>
+        <p:nvSpPr>
+          <p:cNvPr id="3" name="Title 2">
+            <a:extLst>
+              <a:ext uri="{FF2B5EF4-FFF2-40B4-BE49-F238E27FC236}">
+                <a16:creationId xmlns:a16="http://schemas.microsoft.com/office/drawing/2014/main" id="{0A70345F-7778-1268-3221-C0288C5CC027}"/>
+              </a:ext>
+            </a:extLst>
+          </p:cNvPr>
+          <p:cNvSpPr>
+            <a:spLocks noGrp="1"/>
+          </p:cNvSpPr>
+          <p:nvPr>
+            <p:ph type="title" idx="2"/>
+          </p:nvPr>
+        </p:nvSpPr>
+        <p:spPr/>
+        <p:txBody>
+          <a:bodyPr/>
+          <a:lstStyle/>
+          <a:p>
+            <a:endParaRPr lang="en-IN"/>
+          </a:p>
+        </p:txBody>
+      </p:sp>
+      <p:sp>
+        <p:nvSpPr>
+          <p:cNvPr id="4" name="Picture Placeholder 3">
+            <a:extLst>
+              <a:ext uri="{FF2B5EF4-FFF2-40B4-BE49-F238E27FC236}">
+                <a16:creationId xmlns:a16="http://schemas.microsoft.com/office/drawing/2014/main" id="{00D1B155-90BA-60D3-C907-DD5822CA2D5F}"/>
+              </a:ext>
+            </a:extLst>
+          </p:cNvPr>
+          <p:cNvSpPr>
+            <a:spLocks noGrp="1"/>
+          </p:cNvSpPr>
+          <p:nvPr>
+            <p:ph type="pic" idx="3"/>
+          </p:nvPr>
+        </p:nvSpPr>
+        <p:spPr/>
+      </p:sp>
+      <p:pic>
+        <p:nvPicPr>
+          <p:cNvPr id="6" name="Picture 5">
+            <a:extLst>
+              <a:ext uri="{FF2B5EF4-FFF2-40B4-BE49-F238E27FC236}">
+                <a16:creationId xmlns:a16="http://schemas.microsoft.com/office/drawing/2014/main" id="{6E548AB7-11EF-E5ED-FE83-8CE691C48DDB}"/>
+              </a:ext>
+            </a:extLst>
+          </p:cNvPr>
+          <p:cNvPicPr>
+            <a:picLocks noGrp="1" noRot="1" noChangeAspect="1" noMove="1" noResize="1" noEditPoints="1" noAdjustHandles="1" noChangeArrowheads="1" noChangeShapeType="1" noCrop="1"/>
+          </p:cNvPicPr>
+          <p:nvPr/>
+        </p:nvPicPr>
+        <p:blipFill>
+          <a:blip r:embed="rId2"/>
+          <a:stretch>
+            <a:fillRect/>
+          </a:stretch>
+        </p:blipFill>
+        <p:spPr>
+          <a:xfrm>
+            <a:off x="1645786" y="0"/>
+            <a:ext cx="5852428" cy="5143500"/>
+          </a:xfrm>
+          <a:prstGeom prst="rect">
+            <a:avLst/>
+          </a:prstGeom>
+        </p:spPr>
+      </p:pic>
+      <p:sp>
+        <p:nvSpPr>
+          <p:cNvPr id="7" name="Oval 6">
+            <a:extLst>
+              <a:ext uri="{FF2B5EF4-FFF2-40B4-BE49-F238E27FC236}">
+                <a16:creationId xmlns:a16="http://schemas.microsoft.com/office/drawing/2014/main" id="{4E857737-0EA9-8F70-0B01-0FB9C35AB33A}"/>
+              </a:ext>
+            </a:extLst>
+          </p:cNvPr>
+          <p:cNvSpPr/>
+          <p:nvPr/>
+        </p:nvSpPr>
+        <p:spPr>
+          <a:xfrm>
+            <a:off x="4776952" y="1450428"/>
+            <a:ext cx="1288800" cy="1387365"/>
+          </a:xfrm>
+          <a:prstGeom prst="ellipse">
+            <a:avLst/>
+          </a:prstGeom>
+          <a:noFill/>
+        </p:spPr>
+        <p:style>
+          <a:lnRef idx="2">
+            <a:schemeClr val="accent1">
+              <a:shade val="50000"/>
+            </a:schemeClr>
+          </a:lnRef>
+          <a:fillRef idx="1">
+            <a:schemeClr val="accent1"/>
+          </a:fillRef>
+          <a:effectRef idx="0">
+            <a:schemeClr val="accent1"/>
+          </a:effectRef>
+          <a:fontRef idx="minor">
+            <a:schemeClr val="lt1"/>
+          </a:fontRef>
+        </p:style>
+        <p:txBody>
+          <a:bodyPr rtlCol="0" anchor="ctr"/>
+          <a:lstStyle/>
+          <a:p>
+            <a:pPr algn="ctr"/>
+            <a:endParaRPr lang="en-IN"/>
+          </a:p>
+        </p:txBody>
+      </p:sp>
+      <p:sp>
+        <p:nvSpPr>
+          <p:cNvPr id="8" name="Oval 7">
+            <a:extLst>
+              <a:ext uri="{FF2B5EF4-FFF2-40B4-BE49-F238E27FC236}">
+                <a16:creationId xmlns:a16="http://schemas.microsoft.com/office/drawing/2014/main" id="{AAB5361B-DCC3-AF71-A934-6476CDA2425C}"/>
+              </a:ext>
+            </a:extLst>
+          </p:cNvPr>
+          <p:cNvSpPr/>
+          <p:nvPr/>
+        </p:nvSpPr>
+        <p:spPr>
+          <a:xfrm>
+            <a:off x="3213387" y="3140524"/>
+            <a:ext cx="1255099" cy="1243352"/>
+          </a:xfrm>
+          <a:prstGeom prst="ellipse">
+            <a:avLst/>
+          </a:prstGeom>
+          <a:noFill/>
+        </p:spPr>
+        <p:style>
+          <a:lnRef idx="2">
+            <a:schemeClr val="accent1">
+              <a:shade val="50000"/>
+            </a:schemeClr>
+          </a:lnRef>
+          <a:fillRef idx="1">
+            <a:schemeClr val="accent1"/>
+          </a:fillRef>
+          <a:effectRef idx="0">
+            <a:schemeClr val="accent1"/>
+          </a:effectRef>
+          <a:fontRef idx="minor">
+            <a:schemeClr val="lt1"/>
+          </a:fontRef>
+        </p:style>
+        <p:txBody>
+          <a:bodyPr rtlCol="0" anchor="ctr"/>
+          <a:lstStyle/>
+          <a:p>
+            <a:pPr algn="ctr"/>
+            <a:endParaRPr lang="en-IN"/>
+          </a:p>
+        </p:txBody>
+      </p:sp>
+    </p:spTree>
+    <p:extLst>
+      <p:ext uri="{BB962C8B-B14F-4D97-AF65-F5344CB8AC3E}">
+        <p14:creationId xmlns:p14="http://schemas.microsoft.com/office/powerpoint/2010/main" val="3840107689"/>
+      </p:ext>
+    </p:extLst>
   </p:cSld>
   <p:clrMapOvr>
     <a:masterClrMapping/>
@@ -11147,8 +12609,8 @@
               <a:buNone/>
             </a:pPr>
             <a:r>
-              <a:rPr lang="en" dirty="0"/>
-              <a:t>Data Preprocessing</a:t>
+              <a:rPr lang="en-IN" dirty="0"/>
+              <a:t>EDA</a:t>
             </a:r>
             <a:endParaRPr dirty="0"/>
           </a:p>
@@ -11189,10 +12651,10 @@
               <a:buNone/>
             </a:pPr>
             <a:r>
-              <a:rPr lang="en"/>
+              <a:rPr lang="en" dirty="0"/>
               <a:t>02</a:t>
             </a:r>
-            <a:endParaRPr/>
+            <a:endParaRPr dirty="0"/>
           </a:p>
         </p:txBody>
       </p:sp>
@@ -11209,7 +12671,7 @@
   <p:cSld>
     <p:spTree>
       <p:nvGrpSpPr>
-        <p:cNvPr id="1" name="Shape 232"/>
+        <p:cNvPr id="1" name=""/>
         <p:cNvGrpSpPr/>
         <p:nvPr/>
       </p:nvGrpSpPr>
@@ -11221,130 +12683,42 @@
           <a:chExt cx="0" cy="0"/>
         </a:xfrm>
       </p:grpSpPr>
-      <p:sp>
-        <p:nvSpPr>
-          <p:cNvPr id="3" name="Title 2">
+      <p:pic>
+        <p:nvPicPr>
+          <p:cNvPr id="6" name="Picture 5">
             <a:extLst>
               <a:ext uri="{FF2B5EF4-FFF2-40B4-BE49-F238E27FC236}">
-                <a16:creationId xmlns:a16="http://schemas.microsoft.com/office/drawing/2014/main" id="{E1C211A1-5E2A-74DC-799C-34CBAE03186E}"/>
+                <a16:creationId xmlns:a16="http://schemas.microsoft.com/office/drawing/2014/main" id="{578DC202-061E-84A9-BAF8-B54A49671D21}"/>
               </a:ext>
             </a:extLst>
           </p:cNvPr>
-          <p:cNvSpPr>
-            <a:spLocks noGrp="1"/>
-          </p:cNvSpPr>
-          <p:nvPr>
-            <p:ph type="title"/>
-          </p:nvPr>
-        </p:nvSpPr>
+          <p:cNvPicPr>
+            <a:picLocks noChangeAspect="1"/>
+          </p:cNvPicPr>
+          <p:nvPr/>
+        </p:nvPicPr>
+        <p:blipFill>
+          <a:blip r:embed="rId2"/>
+          <a:stretch>
+            <a:fillRect/>
+          </a:stretch>
+        </p:blipFill>
         <p:spPr>
           <a:xfrm>
-            <a:off x="608638" y="200391"/>
-            <a:ext cx="3021300" cy="482700"/>
-          </a:xfrm>
-        </p:spPr>
-        <p:txBody>
-          <a:bodyPr/>
-          <a:lstStyle/>
-          <a:p>
-            <a:r>
-              <a:rPr lang="en-IN" b="1" u="sng" dirty="0"/>
-              <a:t>Steps Taken</a:t>
-            </a:r>
-          </a:p>
-        </p:txBody>
-      </p:sp>
-      <p:sp>
-        <p:nvSpPr>
-          <p:cNvPr id="5" name="TextBox 4">
-            <a:extLst>
-              <a:ext uri="{FF2B5EF4-FFF2-40B4-BE49-F238E27FC236}">
-                <a16:creationId xmlns:a16="http://schemas.microsoft.com/office/drawing/2014/main" id="{C40FB364-37CD-1A30-7B84-6D09914CABB3}"/>
-              </a:ext>
-            </a:extLst>
-          </p:cNvPr>
-          <p:cNvSpPr txBox="1"/>
-          <p:nvPr/>
-        </p:nvSpPr>
-        <p:spPr>
-          <a:xfrm>
-            <a:off x="-114301" y="1114490"/>
-            <a:ext cx="8319837" cy="2862322"/>
+            <a:off x="0" y="563008"/>
+            <a:ext cx="9144000" cy="4017484"/>
           </a:xfrm>
           <a:prstGeom prst="rect">
             <a:avLst/>
           </a:prstGeom>
-          <a:noFill/>
         </p:spPr>
-        <p:txBody>
-          <a:bodyPr wrap="square">
-            <a:spAutoFit/>
-          </a:bodyPr>
-          <a:lstStyle/>
-          <a:p>
-            <a:endParaRPr lang="en-US" sz="1800" dirty="0"/>
-          </a:p>
-          <a:p>
-            <a:pPr marL="742950" lvl="1" indent="-285750">
-              <a:buFont typeface="Arial" panose="020B0604020202020204" pitchFamily="34" charset="0"/>
-              <a:buChar char="•"/>
-            </a:pPr>
-            <a:r>
-              <a:rPr lang="en-US" sz="1800" b="1" dirty="0"/>
-              <a:t>Smoothing Acceleration Data</a:t>
-            </a:r>
-            <a:r>
-              <a:rPr lang="en-US" sz="1800" dirty="0"/>
-              <a:t>: Applied a 10-point rolling average to reduce noise and identify trends in the Z-axis and magnitude of acceleration.</a:t>
-            </a:r>
-            <a:br>
-              <a:rPr lang="en-US" sz="1800" dirty="0"/>
-            </a:br>
-            <a:endParaRPr lang="en-US" sz="1800" dirty="0"/>
-          </a:p>
-          <a:p>
-            <a:pPr marL="742950" lvl="1" indent="-285750">
-              <a:buFont typeface="Arial" panose="020B0604020202020204" pitchFamily="34" charset="0"/>
-              <a:buChar char="•"/>
-            </a:pPr>
-            <a:r>
-              <a:rPr lang="en-US" sz="1800" b="1" dirty="0"/>
-              <a:t>Feature Creation</a:t>
-            </a:r>
-            <a:r>
-              <a:rPr lang="en-US" sz="1800" dirty="0"/>
-              <a:t>: Calculated acceleration magnitude (X, Y, Z combined) and speed difference.</a:t>
-            </a:r>
-            <a:br>
-              <a:rPr lang="en-US" sz="1800" dirty="0"/>
-            </a:br>
-            <a:endParaRPr lang="en-US" sz="1800" dirty="0"/>
-          </a:p>
-          <a:p>
-            <a:pPr marL="742950" lvl="1" indent="-285750">
-              <a:buFont typeface="Arial" panose="020B0604020202020204" pitchFamily="34" charset="0"/>
-              <a:buChar char="•"/>
-            </a:pPr>
-            <a:r>
-              <a:rPr lang="en-US" sz="1800" b="1" dirty="0"/>
-              <a:t>Handling Missing Values</a:t>
-            </a:r>
-            <a:r>
-              <a:rPr lang="en-US" sz="1800" dirty="0"/>
-              <a:t>: Used forward fill for missing values and filled </a:t>
-            </a:r>
-            <a:r>
-              <a:rPr lang="en-US" sz="1800" dirty="0" err="1"/>
-              <a:t>NaNs</a:t>
-            </a:r>
-            <a:r>
-              <a:rPr lang="en-US" sz="1800" dirty="0"/>
-              <a:t> with the mean during feature scaling.</a:t>
-            </a:r>
-          </a:p>
-        </p:txBody>
-      </p:sp>
+      </p:pic>
     </p:spTree>
+    <p:extLst>
+      <p:ext uri="{BB962C8B-B14F-4D97-AF65-F5344CB8AC3E}">
+        <p14:creationId xmlns:p14="http://schemas.microsoft.com/office/powerpoint/2010/main" val="3566964677"/>
+      </p:ext>
+    </p:extLst>
   </p:cSld>
   <p:clrMapOvr>
     <a:masterClrMapping/>
@@ -11357,7 +12731,7 @@
   <p:cSld>
     <p:spTree>
       <p:nvGrpSpPr>
-        <p:cNvPr id="1" name="Shape 224"/>
+        <p:cNvPr id="1" name=""/>
         <p:cNvGrpSpPr/>
         <p:nvPr/>
       </p:nvGrpSpPr>
@@ -11369,101 +12743,40 @@
           <a:chExt cx="0" cy="0"/>
         </a:xfrm>
       </p:grpSpPr>
-      <p:sp>
-        <p:nvSpPr>
-          <p:cNvPr id="225" name="Google Shape;225;p35"/>
-          <p:cNvSpPr txBox="1">
-            <a:spLocks noGrp="1"/>
-          </p:cNvSpPr>
-          <p:nvPr>
-            <p:ph type="title"/>
-          </p:nvPr>
-        </p:nvSpPr>
+      <p:pic>
+        <p:nvPicPr>
+          <p:cNvPr id="6" name="Picture 5">
+            <a:extLst>
+              <a:ext uri="{FF2B5EF4-FFF2-40B4-BE49-F238E27FC236}">
+                <a16:creationId xmlns:a16="http://schemas.microsoft.com/office/drawing/2014/main" id="{C6C71064-AA8E-5B8E-228A-A2FE9C54488A}"/>
+              </a:ext>
+            </a:extLst>
+          </p:cNvPr>
+          <p:cNvPicPr>
+            <a:picLocks noChangeAspect="1"/>
+          </p:cNvPicPr>
+          <p:nvPr/>
+        </p:nvPicPr>
+        <p:blipFill>
+          <a:blip r:embed="rId2"/>
+          <a:stretch>
+            <a:fillRect/>
+          </a:stretch>
+        </p:blipFill>
         <p:spPr>
           <a:xfrm>
-            <a:off x="4461641" y="1460434"/>
-            <a:ext cx="3858775" cy="841800"/>
+            <a:off x="1645786" y="0"/>
+            <a:ext cx="5852428" cy="5143500"/>
           </a:xfrm>
           <a:prstGeom prst="rect">
             <a:avLst/>
           </a:prstGeom>
         </p:spPr>
-        <p:txBody>
-          <a:bodyPr spcFirstLastPara="1" wrap="square" lIns="91425" tIns="91425" rIns="91425" bIns="91425" anchor="ctr" anchorCtr="0">
-            <a:noAutofit/>
-          </a:bodyPr>
-          <a:lstStyle/>
-          <a:p>
-            <a:pPr marL="0" lvl="0" indent="0" algn="r" rtl="0">
-              <a:spcBef>
-                <a:spcPts val="0"/>
-              </a:spcBef>
-              <a:spcAft>
-                <a:spcPts val="0"/>
-              </a:spcAft>
-              <a:buNone/>
-            </a:pPr>
-            <a:r>
-              <a:rPr lang="en" dirty="0"/>
-              <a:t>Feature</a:t>
-            </a:r>
-            <a:br>
-              <a:rPr lang="en" dirty="0"/>
-            </a:br>
-            <a:r>
-              <a:rPr lang="en" dirty="0"/>
-              <a:t>Engineering</a:t>
-            </a:r>
-            <a:endParaRPr dirty="0"/>
-          </a:p>
-        </p:txBody>
-      </p:sp>
-      <p:sp>
-        <p:nvSpPr>
-          <p:cNvPr id="226" name="Google Shape;226;p35"/>
-          <p:cNvSpPr txBox="1">
-            <a:spLocks noGrp="1"/>
-          </p:cNvSpPr>
-          <p:nvPr>
-            <p:ph type="title" idx="2"/>
-          </p:nvPr>
-        </p:nvSpPr>
-        <p:spPr>
-          <a:xfrm>
-            <a:off x="7307513" y="453096"/>
-            <a:ext cx="1288800" cy="841800"/>
-          </a:xfrm>
-          <a:prstGeom prst="rect">
-            <a:avLst/>
-          </a:prstGeom>
-        </p:spPr>
-        <p:txBody>
-          <a:bodyPr spcFirstLastPara="1" wrap="square" lIns="91425" tIns="91425" rIns="91425" bIns="91425" anchor="ctr" anchorCtr="0">
-            <a:noAutofit/>
-          </a:bodyPr>
-          <a:lstStyle/>
-          <a:p>
-            <a:pPr marL="0" lvl="0" indent="0" algn="l" rtl="0">
-              <a:spcBef>
-                <a:spcPts val="0"/>
-              </a:spcBef>
-              <a:spcAft>
-                <a:spcPts val="0"/>
-              </a:spcAft>
-              <a:buNone/>
-            </a:pPr>
-            <a:r>
-              <a:rPr lang="en" dirty="0"/>
-              <a:t>03</a:t>
-            </a:r>
-            <a:endParaRPr dirty="0"/>
-          </a:p>
-        </p:txBody>
-      </p:sp>
+      </p:pic>
     </p:spTree>
     <p:extLst>
       <p:ext uri="{BB962C8B-B14F-4D97-AF65-F5344CB8AC3E}">
-        <p14:creationId xmlns:p14="http://schemas.microsoft.com/office/powerpoint/2010/main" val="3261986232"/>
+        <p14:creationId xmlns:p14="http://schemas.microsoft.com/office/powerpoint/2010/main" val="3370727389"/>
       </p:ext>
     </p:extLst>
   </p:cSld>
@@ -11478,7 +12791,7 @@
   <p:cSld>
     <p:spTree>
       <p:nvGrpSpPr>
-        <p:cNvPr id="1" name="Shape 232"/>
+        <p:cNvPr id="1" name=""/>
         <p:cNvGrpSpPr/>
         <p:nvPr/>
       </p:nvGrpSpPr>
@@ -11492,10 +12805,10 @@
       </p:grpSpPr>
       <p:sp>
         <p:nvSpPr>
-          <p:cNvPr id="3" name="Title 2">
+          <p:cNvPr id="2" name="Title 1">
             <a:extLst>
               <a:ext uri="{FF2B5EF4-FFF2-40B4-BE49-F238E27FC236}">
-                <a16:creationId xmlns:a16="http://schemas.microsoft.com/office/drawing/2014/main" id="{E1C211A1-5E2A-74DC-799C-34CBAE03186E}"/>
+                <a16:creationId xmlns:a16="http://schemas.microsoft.com/office/drawing/2014/main" id="{C561890C-58CF-1785-0504-41F502BBE85E}"/>
               </a:ext>
             </a:extLst>
           </p:cNvPr>
@@ -11506,441 +12819,92 @@
             <p:ph type="title"/>
           </p:nvPr>
         </p:nvSpPr>
-        <p:spPr>
-          <a:xfrm>
-            <a:off x="608637" y="200391"/>
-            <a:ext cx="4228057" cy="482700"/>
-          </a:xfrm>
-        </p:spPr>
+        <p:spPr/>
         <p:txBody>
           <a:bodyPr/>
           <a:lstStyle/>
           <a:p>
-            <a:r>
-              <a:rPr lang="en-IN" dirty="0"/>
-              <a:t>Feature Engineering</a:t>
-            </a:r>
+            <a:endParaRPr lang="en-IN"/>
           </a:p>
         </p:txBody>
       </p:sp>
       <p:sp>
         <p:nvSpPr>
-          <p:cNvPr id="6" name="Rectangle 2">
+          <p:cNvPr id="3" name="Title 2">
             <a:extLst>
               <a:ext uri="{FF2B5EF4-FFF2-40B4-BE49-F238E27FC236}">
-                <a16:creationId xmlns:a16="http://schemas.microsoft.com/office/drawing/2014/main" id="{DAE45A86-CFD0-AB05-94FA-BE77FCF5DA61}"/>
+                <a16:creationId xmlns:a16="http://schemas.microsoft.com/office/drawing/2014/main" id="{A7ACA70D-2C3A-C1C8-E50F-5F63624425BF}"/>
               </a:ext>
             </a:extLst>
           </p:cNvPr>
           <p:cNvSpPr>
-            <a:spLocks noChangeArrowheads="1"/>
+            <a:spLocks noGrp="1"/>
           </p:cNvSpPr>
+          <p:nvPr>
+            <p:ph type="title" idx="2"/>
+          </p:nvPr>
+        </p:nvSpPr>
+        <p:spPr/>
+        <p:txBody>
+          <a:bodyPr/>
+          <a:lstStyle/>
+          <a:p>
+            <a:endParaRPr lang="en-IN"/>
+          </a:p>
+        </p:txBody>
+      </p:sp>
+      <p:sp>
+        <p:nvSpPr>
+          <p:cNvPr id="4" name="Picture Placeholder 3">
+            <a:extLst>
+              <a:ext uri="{FF2B5EF4-FFF2-40B4-BE49-F238E27FC236}">
+                <a16:creationId xmlns:a16="http://schemas.microsoft.com/office/drawing/2014/main" id="{C0E2B51B-F096-9C6C-B1E1-48E562720D5F}"/>
+              </a:ext>
+            </a:extLst>
+          </p:cNvPr>
+          <p:cNvSpPr>
+            <a:spLocks noGrp="1"/>
+          </p:cNvSpPr>
+          <p:nvPr>
+            <p:ph type="pic" idx="3"/>
+          </p:nvPr>
+        </p:nvSpPr>
+        <p:spPr/>
+      </p:sp>
+      <p:pic>
+        <p:nvPicPr>
+          <p:cNvPr id="8" name="Picture 7">
+            <a:extLst>
+              <a:ext uri="{FF2B5EF4-FFF2-40B4-BE49-F238E27FC236}">
+                <a16:creationId xmlns:a16="http://schemas.microsoft.com/office/drawing/2014/main" id="{CD54A2FB-46D3-2045-5C84-6F7803F9DAA5}"/>
+              </a:ext>
+            </a:extLst>
+          </p:cNvPr>
+          <p:cNvPicPr>
+            <a:picLocks noChangeAspect="1"/>
+          </p:cNvPicPr>
           <p:nvPr/>
-        </p:nvSpPr>
-        <p:spPr bwMode="auto">
-          <a:xfrm rot="10800000" flipV="1">
-            <a:off x="608637" y="984238"/>
-            <a:ext cx="7330966" cy="3693319"/>
+        </p:nvPicPr>
+        <p:blipFill>
+          <a:blip r:embed="rId2"/>
+          <a:stretch>
+            <a:fillRect/>
+          </a:stretch>
+        </p:blipFill>
+        <p:spPr>
+          <a:xfrm>
+            <a:off x="280095" y="0"/>
+            <a:ext cx="8583809" cy="5143500"/>
           </a:xfrm>
           <a:prstGeom prst="rect">
             <a:avLst/>
           </a:prstGeom>
-          <a:noFill/>
-          <a:ln>
-            <a:noFill/>
-          </a:ln>
-          <a:effectLst/>
-          <a:extLst>
-            <a:ext uri="{909E8E84-426E-40DD-AFC4-6F175D3DCCD1}">
-              <a14:hiddenFill xmlns:a14="http://schemas.microsoft.com/office/drawing/2010/main">
-                <a:solidFill>
-                  <a:schemeClr val="accent1"/>
-                </a:solidFill>
-              </a14:hiddenFill>
-            </a:ext>
-            <a:ext uri="{91240B29-F687-4F45-9708-019B960494DF}">
-              <a14:hiddenLine xmlns:a14="http://schemas.microsoft.com/office/drawing/2010/main" w="9525">
-                <a:solidFill>
-                  <a:schemeClr val="tx1"/>
-                </a:solidFill>
-                <a:miter lim="800000"/>
-                <a:headEnd/>
-                <a:tailEnd/>
-              </a14:hiddenLine>
-            </a:ext>
-            <a:ext uri="{AF507438-7753-43E0-B8FC-AC1667EBCBE1}">
-              <a14:hiddenEffects xmlns:a14="http://schemas.microsoft.com/office/drawing/2010/main">
-                <a:effectLst>
-                  <a:outerShdw dist="35921" dir="2700000" algn="ctr" rotWithShape="0">
-                    <a:schemeClr val="bg2"/>
-                  </a:outerShdw>
-                </a:effectLst>
-              </a14:hiddenEffects>
-            </a:ext>
-          </a:extLst>
         </p:spPr>
-        <p:txBody>
-          <a:bodyPr vert="horz" wrap="square" lIns="91440" tIns="45720" rIns="91440" bIns="45720" numCol="1" anchor="ctr" anchorCtr="0" compatLnSpc="1">
-            <a:prstTxWarp prst="textNoShape">
-              <a:avLst/>
-            </a:prstTxWarp>
-            <a:spAutoFit/>
-          </a:bodyPr>
-          <a:lstStyle/>
-          <a:p>
-            <a:pPr marL="0" marR="0" lvl="0" indent="0" algn="l" defTabSz="914400" rtl="0" eaLnBrk="0" fontAlgn="base" latinLnBrk="0" hangingPunct="0">
-              <a:lnSpc>
-                <a:spcPct val="100000"/>
-              </a:lnSpc>
-              <a:spcBef>
-                <a:spcPct val="0"/>
-              </a:spcBef>
-              <a:spcAft>
-                <a:spcPct val="0"/>
-              </a:spcAft>
-              <a:buClrTx/>
-              <a:buSzTx/>
-              <a:buFontTx/>
-              <a:buNone/>
-              <a:tabLst/>
-            </a:pPr>
-            <a:endParaRPr kumimoji="0" lang="en-US" altLang="en-US" sz="1800" b="0" i="0" u="none" strike="noStrike" cap="none" normalizeH="0" baseline="0" dirty="0">
-              <a:ln>
-                <a:noFill/>
-              </a:ln>
-              <a:solidFill>
-                <a:schemeClr val="tx1"/>
-              </a:solidFill>
-              <a:effectLst/>
-              <a:latin typeface="Arial" panose="020B0604020202020204" pitchFamily="34" charset="0"/>
-            </a:endParaRPr>
-          </a:p>
-          <a:p>
-            <a:pPr marL="0" marR="0" lvl="0" indent="0" algn="l" defTabSz="914400" rtl="0" eaLnBrk="0" fontAlgn="base" latinLnBrk="0" hangingPunct="0">
-              <a:lnSpc>
-                <a:spcPct val="100000"/>
-              </a:lnSpc>
-              <a:spcBef>
-                <a:spcPct val="0"/>
-              </a:spcBef>
-              <a:spcAft>
-                <a:spcPct val="0"/>
-              </a:spcAft>
-              <a:buClrTx/>
-              <a:buSzTx/>
-              <a:tabLst/>
-            </a:pPr>
-            <a:r>
-              <a:rPr kumimoji="0" lang="en-US" altLang="en-US" sz="1800" b="1" i="0" u="none" strike="noStrike" cap="none" normalizeH="0" baseline="0" dirty="0">
-                <a:ln>
-                  <a:noFill/>
-                </a:ln>
-                <a:solidFill>
-                  <a:schemeClr val="tx1"/>
-                </a:solidFill>
-                <a:effectLst/>
-                <a:latin typeface="Arial" panose="020B0604020202020204" pitchFamily="34" charset="0"/>
-              </a:rPr>
-              <a:t>Key Features for Clustering</a:t>
-            </a:r>
-            <a:r>
-              <a:rPr kumimoji="0" lang="en-US" altLang="en-US" sz="1800" b="0" i="0" u="none" strike="noStrike" cap="none" normalizeH="0" baseline="0" dirty="0">
-                <a:ln>
-                  <a:noFill/>
-                </a:ln>
-                <a:solidFill>
-                  <a:schemeClr val="tx1"/>
-                </a:solidFill>
-                <a:effectLst/>
-                <a:latin typeface="Arial" panose="020B0604020202020204" pitchFamily="34" charset="0"/>
-              </a:rPr>
-              <a:t>:</a:t>
-            </a:r>
-            <a:br>
-              <a:rPr kumimoji="0" lang="en-US" altLang="en-US" sz="1800" b="0" i="0" u="none" strike="noStrike" cap="none" normalizeH="0" baseline="0" dirty="0">
-                <a:ln>
-                  <a:noFill/>
-                </a:ln>
-                <a:solidFill>
-                  <a:schemeClr val="tx1"/>
-                </a:solidFill>
-                <a:effectLst/>
-                <a:latin typeface="Arial" panose="020B0604020202020204" pitchFamily="34" charset="0"/>
-              </a:rPr>
-            </a:br>
-            <a:endParaRPr kumimoji="0" lang="en-US" altLang="en-US" sz="1800" b="0" i="0" u="none" strike="noStrike" cap="none" normalizeH="0" baseline="0" dirty="0">
-              <a:ln>
-                <a:noFill/>
-              </a:ln>
-              <a:solidFill>
-                <a:schemeClr val="tx1"/>
-              </a:solidFill>
-              <a:effectLst/>
-              <a:latin typeface="Arial" panose="020B0604020202020204" pitchFamily="34" charset="0"/>
-            </a:endParaRPr>
-          </a:p>
-          <a:p>
-            <a:pPr marL="457200" marR="0" lvl="1" indent="0" algn="l" defTabSz="914400" rtl="0" eaLnBrk="0" fontAlgn="base" latinLnBrk="0" hangingPunct="0">
-              <a:lnSpc>
-                <a:spcPct val="100000"/>
-              </a:lnSpc>
-              <a:spcBef>
-                <a:spcPct val="0"/>
-              </a:spcBef>
-              <a:spcAft>
-                <a:spcPct val="0"/>
-              </a:spcAft>
-              <a:buClrTx/>
-              <a:buSzTx/>
-              <a:buFontTx/>
-              <a:buChar char="•"/>
-              <a:tabLst/>
-            </a:pPr>
-            <a:r>
-              <a:rPr kumimoji="0" lang="en-US" altLang="en-US" sz="1800" b="0" i="0" u="none" strike="noStrike" cap="none" normalizeH="0" baseline="0" dirty="0">
-                <a:ln>
-                  <a:noFill/>
-                </a:ln>
-                <a:solidFill>
-                  <a:schemeClr val="tx1"/>
-                </a:solidFill>
-                <a:effectLst/>
-                <a:latin typeface="Arial" panose="020B0604020202020204" pitchFamily="34" charset="0"/>
-              </a:rPr>
-              <a:t>Smoothed Z-axis acceleration </a:t>
-            </a:r>
-          </a:p>
-          <a:p>
-            <a:pPr marL="457200" marR="0" lvl="1" indent="0" algn="l" defTabSz="914400" rtl="0" eaLnBrk="0" fontAlgn="base" latinLnBrk="0" hangingPunct="0">
-              <a:lnSpc>
-                <a:spcPct val="100000"/>
-              </a:lnSpc>
-              <a:spcBef>
-                <a:spcPct val="0"/>
-              </a:spcBef>
-              <a:spcAft>
-                <a:spcPct val="0"/>
-              </a:spcAft>
-              <a:buClrTx/>
-              <a:buSzTx/>
-              <a:buFontTx/>
-              <a:buChar char="•"/>
-              <a:tabLst/>
-            </a:pPr>
-            <a:r>
-              <a:rPr kumimoji="0" lang="en-US" altLang="en-US" sz="1800" b="0" i="0" u="none" strike="noStrike" cap="none" normalizeH="0" baseline="0" dirty="0">
-                <a:ln>
-                  <a:noFill/>
-                </a:ln>
-                <a:solidFill>
-                  <a:schemeClr val="tx1"/>
-                </a:solidFill>
-                <a:effectLst/>
-                <a:latin typeface="Arial" panose="020B0604020202020204" pitchFamily="34" charset="0"/>
-              </a:rPr>
-              <a:t>Smoothed acceleration magnitude</a:t>
-            </a:r>
-          </a:p>
-          <a:p>
-            <a:pPr marL="457200" marR="0" lvl="1" indent="0" algn="l" defTabSz="914400" rtl="0" eaLnBrk="0" fontAlgn="base" latinLnBrk="0" hangingPunct="0">
-              <a:lnSpc>
-                <a:spcPct val="100000"/>
-              </a:lnSpc>
-              <a:spcBef>
-                <a:spcPct val="0"/>
-              </a:spcBef>
-              <a:spcAft>
-                <a:spcPct val="0"/>
-              </a:spcAft>
-              <a:buClrTx/>
-              <a:buSzTx/>
-              <a:buFontTx/>
-              <a:buChar char="•"/>
-              <a:tabLst/>
-            </a:pPr>
-            <a:r>
-              <a:rPr kumimoji="0" lang="en-US" altLang="en-US" sz="1800" b="0" i="0" u="none" strike="noStrike" cap="none" normalizeH="0" baseline="0" dirty="0">
-                <a:ln>
-                  <a:noFill/>
-                </a:ln>
-                <a:solidFill>
-                  <a:schemeClr val="tx1"/>
-                </a:solidFill>
-                <a:effectLst/>
-                <a:latin typeface="Arial" panose="020B0604020202020204" pitchFamily="34" charset="0"/>
-              </a:rPr>
-              <a:t>Speed difference</a:t>
-            </a:r>
-            <a:br>
-              <a:rPr kumimoji="0" lang="en-US" altLang="en-US" sz="1800" b="0" i="0" u="none" strike="noStrike" cap="none" normalizeH="0" baseline="0" dirty="0">
-                <a:ln>
-                  <a:noFill/>
-                </a:ln>
-                <a:solidFill>
-                  <a:schemeClr val="tx1"/>
-                </a:solidFill>
-                <a:effectLst/>
-                <a:latin typeface="Arial" panose="020B0604020202020204" pitchFamily="34" charset="0"/>
-              </a:rPr>
-            </a:br>
-            <a:endParaRPr kumimoji="0" lang="en-US" altLang="en-US" sz="1800" b="0" i="0" u="none" strike="noStrike" cap="none" normalizeH="0" baseline="0" dirty="0">
-              <a:ln>
-                <a:noFill/>
-              </a:ln>
-              <a:solidFill>
-                <a:schemeClr val="tx1"/>
-              </a:solidFill>
-              <a:effectLst/>
-              <a:latin typeface="Arial" panose="020B0604020202020204" pitchFamily="34" charset="0"/>
-            </a:endParaRPr>
-          </a:p>
-          <a:p>
-            <a:pPr marL="0" marR="0" lvl="0" indent="0" algn="l" defTabSz="914400" rtl="0" eaLnBrk="0" fontAlgn="base" latinLnBrk="0" hangingPunct="0">
-              <a:lnSpc>
-                <a:spcPct val="100000"/>
-              </a:lnSpc>
-              <a:spcBef>
-                <a:spcPct val="0"/>
-              </a:spcBef>
-              <a:spcAft>
-                <a:spcPct val="0"/>
-              </a:spcAft>
-              <a:buClrTx/>
-              <a:buSzTx/>
-              <a:tabLst/>
-            </a:pPr>
-            <a:r>
-              <a:rPr kumimoji="0" lang="en-US" altLang="en-US" sz="1800" b="1" i="0" u="none" strike="noStrike" cap="none" normalizeH="0" baseline="0" dirty="0">
-                <a:ln>
-                  <a:noFill/>
-                </a:ln>
-                <a:solidFill>
-                  <a:schemeClr val="tx1"/>
-                </a:solidFill>
-                <a:effectLst/>
-                <a:latin typeface="Arial" panose="020B0604020202020204" pitchFamily="34" charset="0"/>
-              </a:rPr>
-              <a:t>Why These Features?</a:t>
-            </a:r>
-            <a:br>
-              <a:rPr kumimoji="0" lang="en-US" altLang="en-US" sz="1800" b="1" i="0" u="none" strike="noStrike" cap="none" normalizeH="0" baseline="0" dirty="0">
-                <a:ln>
-                  <a:noFill/>
-                </a:ln>
-                <a:solidFill>
-                  <a:schemeClr val="tx1"/>
-                </a:solidFill>
-                <a:effectLst/>
-                <a:latin typeface="Arial" panose="020B0604020202020204" pitchFamily="34" charset="0"/>
-              </a:rPr>
-            </a:br>
-            <a:endParaRPr kumimoji="0" lang="en-US" altLang="en-US" sz="1800" b="0" i="0" u="none" strike="noStrike" cap="none" normalizeH="0" baseline="0" dirty="0">
-              <a:ln>
-                <a:noFill/>
-              </a:ln>
-              <a:solidFill>
-                <a:schemeClr val="tx1"/>
-              </a:solidFill>
-              <a:effectLst/>
-              <a:latin typeface="Arial" panose="020B0604020202020204" pitchFamily="34" charset="0"/>
-            </a:endParaRPr>
-          </a:p>
-          <a:p>
-            <a:pPr marL="457200" marR="0" lvl="1" indent="0" algn="l" defTabSz="914400" rtl="0" eaLnBrk="0" fontAlgn="base" latinLnBrk="0" hangingPunct="0">
-              <a:lnSpc>
-                <a:spcPct val="100000"/>
-              </a:lnSpc>
-              <a:spcBef>
-                <a:spcPct val="0"/>
-              </a:spcBef>
-              <a:spcAft>
-                <a:spcPct val="0"/>
-              </a:spcAft>
-              <a:buClrTx/>
-              <a:buSzTx/>
-              <a:buFontTx/>
-              <a:buChar char="•"/>
-              <a:tabLst/>
-            </a:pPr>
-            <a:r>
-              <a:rPr kumimoji="0" lang="en-US" altLang="en-US" sz="1800" b="0" i="0" u="none" strike="noStrike" cap="none" normalizeH="0" baseline="0" dirty="0">
-                <a:ln>
-                  <a:noFill/>
-                </a:ln>
-                <a:solidFill>
-                  <a:schemeClr val="tx1"/>
-                </a:solidFill>
-                <a:effectLst/>
-                <a:latin typeface="Arial" panose="020B0604020202020204" pitchFamily="34" charset="0"/>
-              </a:rPr>
-              <a:t>Acceleration captures the vehicle’s vertical and horizontal motion, critical for detecting road obstacles.</a:t>
-            </a:r>
-          </a:p>
-          <a:p>
-            <a:pPr marL="457200" marR="0" lvl="1" indent="0" algn="l" defTabSz="914400" rtl="0" eaLnBrk="0" fontAlgn="base" latinLnBrk="0" hangingPunct="0">
-              <a:lnSpc>
-                <a:spcPct val="100000"/>
-              </a:lnSpc>
-              <a:spcBef>
-                <a:spcPct val="0"/>
-              </a:spcBef>
-              <a:spcAft>
-                <a:spcPct val="0"/>
-              </a:spcAft>
-              <a:buClrTx/>
-              <a:buSzTx/>
-              <a:buFontTx/>
-              <a:buChar char="•"/>
-              <a:tabLst/>
-            </a:pPr>
-            <a:r>
-              <a:rPr kumimoji="0" lang="en-US" altLang="en-US" sz="1800" b="0" i="0" u="none" strike="noStrike" cap="none" normalizeH="0" baseline="0" dirty="0">
-                <a:ln>
-                  <a:noFill/>
-                </a:ln>
-                <a:solidFill>
-                  <a:schemeClr val="tx1"/>
-                </a:solidFill>
-                <a:effectLst/>
-                <a:latin typeface="Arial" panose="020B0604020202020204" pitchFamily="34" charset="0"/>
-              </a:rPr>
-              <a:t>Smoothing helps remove noise and reveals important patterns.</a:t>
-            </a:r>
-          </a:p>
-          <a:p>
-            <a:pPr marL="0" marR="0" lvl="0" indent="0" algn="l" defTabSz="914400" rtl="0" eaLnBrk="0" fontAlgn="base" latinLnBrk="0" hangingPunct="0">
-              <a:lnSpc>
-                <a:spcPct val="100000"/>
-              </a:lnSpc>
-              <a:spcBef>
-                <a:spcPct val="0"/>
-              </a:spcBef>
-              <a:spcAft>
-                <a:spcPct val="0"/>
-              </a:spcAft>
-              <a:buClrTx/>
-              <a:buSzTx/>
-              <a:buFontTx/>
-              <a:buNone/>
-              <a:tabLst/>
-            </a:pPr>
-            <a:endParaRPr kumimoji="0" lang="en-US" altLang="en-US" sz="1800" b="0" i="0" u="none" strike="noStrike" cap="none" normalizeH="0" baseline="0" dirty="0">
-              <a:ln>
-                <a:noFill/>
-              </a:ln>
-              <a:solidFill>
-                <a:schemeClr val="tx1"/>
-              </a:solidFill>
-              <a:effectLst/>
-              <a:latin typeface="Arial" panose="020B0604020202020204" pitchFamily="34" charset="0"/>
-            </a:endParaRPr>
-          </a:p>
-        </p:txBody>
-      </p:sp>
+      </p:pic>
     </p:spTree>
     <p:extLst>
       <p:ext uri="{BB962C8B-B14F-4D97-AF65-F5344CB8AC3E}">
-        <p14:creationId xmlns:p14="http://schemas.microsoft.com/office/powerpoint/2010/main" val="3223695440"/>
+        <p14:creationId xmlns:p14="http://schemas.microsoft.com/office/powerpoint/2010/main" val="4268317052"/>
       </p:ext>
     </p:extLst>
   </p:cSld>
@@ -11955,7 +12919,7 @@
   <p:cSld>
     <p:spTree>
       <p:nvGrpSpPr>
-        <p:cNvPr id="1" name="Shape 224"/>
+        <p:cNvPr id="1" name=""/>
         <p:cNvGrpSpPr/>
         <p:nvPr/>
       </p:nvGrpSpPr>
@@ -11969,92 +12933,106 @@
       </p:grpSpPr>
       <p:sp>
         <p:nvSpPr>
-          <p:cNvPr id="225" name="Google Shape;225;p35"/>
-          <p:cNvSpPr txBox="1">
+          <p:cNvPr id="2" name="Title 1">
+            <a:extLst>
+              <a:ext uri="{FF2B5EF4-FFF2-40B4-BE49-F238E27FC236}">
+                <a16:creationId xmlns:a16="http://schemas.microsoft.com/office/drawing/2014/main" id="{9E725982-F04A-82CD-7147-ED4EDBD534E3}"/>
+              </a:ext>
+            </a:extLst>
+          </p:cNvPr>
+          <p:cNvSpPr>
             <a:spLocks noGrp="1"/>
           </p:cNvSpPr>
           <p:nvPr>
             <p:ph type="title"/>
           </p:nvPr>
         </p:nvSpPr>
-        <p:spPr>
-          <a:xfrm>
-            <a:off x="4449652" y="3880441"/>
-            <a:ext cx="3858775" cy="841800"/>
-          </a:xfrm>
-          <a:prstGeom prst="rect">
-            <a:avLst/>
-          </a:prstGeom>
-        </p:spPr>
+        <p:spPr/>
         <p:txBody>
-          <a:bodyPr spcFirstLastPara="1" wrap="square" lIns="91425" tIns="91425" rIns="91425" bIns="91425" anchor="ctr" anchorCtr="0">
-            <a:noAutofit/>
-          </a:bodyPr>
+          <a:bodyPr/>
           <a:lstStyle/>
           <a:p>
-            <a:pPr marL="0" lvl="0" indent="0" algn="r" rtl="0">
-              <a:spcBef>
-                <a:spcPts val="0"/>
-              </a:spcBef>
-              <a:spcAft>
-                <a:spcPts val="0"/>
-              </a:spcAft>
-              <a:buNone/>
-            </a:pPr>
-            <a:r>
-              <a:rPr lang="en" dirty="0"/>
-              <a:t>Clustering Approach</a:t>
-            </a:r>
-            <a:endParaRPr dirty="0"/>
+            <a:endParaRPr lang="en-IN"/>
           </a:p>
         </p:txBody>
       </p:sp>
       <p:sp>
         <p:nvSpPr>
-          <p:cNvPr id="226" name="Google Shape;226;p35"/>
-          <p:cNvSpPr txBox="1">
+          <p:cNvPr id="3" name="Title 2">
+            <a:extLst>
+              <a:ext uri="{FF2B5EF4-FFF2-40B4-BE49-F238E27FC236}">
+                <a16:creationId xmlns:a16="http://schemas.microsoft.com/office/drawing/2014/main" id="{6226A878-2CE0-5485-9A98-F5FC5767E113}"/>
+              </a:ext>
+            </a:extLst>
+          </p:cNvPr>
+          <p:cNvSpPr>
             <a:spLocks noGrp="1"/>
           </p:cNvSpPr>
           <p:nvPr>
             <p:ph type="title" idx="2"/>
           </p:nvPr>
         </p:nvSpPr>
+        <p:spPr/>
+        <p:txBody>
+          <a:bodyPr/>
+          <a:lstStyle/>
+          <a:p>
+            <a:endParaRPr lang="en-IN"/>
+          </a:p>
+        </p:txBody>
+      </p:sp>
+      <p:sp>
+        <p:nvSpPr>
+          <p:cNvPr id="4" name="Picture Placeholder 3">
+            <a:extLst>
+              <a:ext uri="{FF2B5EF4-FFF2-40B4-BE49-F238E27FC236}">
+                <a16:creationId xmlns:a16="http://schemas.microsoft.com/office/drawing/2014/main" id="{FDE012A9-228C-D71D-32D1-C5069918803A}"/>
+              </a:ext>
+            </a:extLst>
+          </p:cNvPr>
+          <p:cNvSpPr>
+            <a:spLocks noGrp="1"/>
+          </p:cNvSpPr>
+          <p:nvPr>
+            <p:ph type="pic" idx="3"/>
+          </p:nvPr>
+        </p:nvSpPr>
+        <p:spPr/>
+      </p:sp>
+      <p:pic>
+        <p:nvPicPr>
+          <p:cNvPr id="6" name="Picture 5">
+            <a:extLst>
+              <a:ext uri="{FF2B5EF4-FFF2-40B4-BE49-F238E27FC236}">
+                <a16:creationId xmlns:a16="http://schemas.microsoft.com/office/drawing/2014/main" id="{BB71D90C-3C31-7BD8-A90A-4AFDAFA93F34}"/>
+              </a:ext>
+            </a:extLst>
+          </p:cNvPr>
+          <p:cNvPicPr>
+            <a:picLocks noChangeAspect="1"/>
+          </p:cNvPicPr>
+          <p:nvPr/>
+        </p:nvPicPr>
+        <p:blipFill>
+          <a:blip r:embed="rId2"/>
+          <a:stretch>
+            <a:fillRect/>
+          </a:stretch>
+        </p:blipFill>
         <p:spPr>
           <a:xfrm>
-            <a:off x="7242135" y="2872950"/>
-            <a:ext cx="1288800" cy="841800"/>
+            <a:off x="0" y="605967"/>
+            <a:ext cx="9144000" cy="4040200"/>
           </a:xfrm>
           <a:prstGeom prst="rect">
             <a:avLst/>
           </a:prstGeom>
         </p:spPr>
-        <p:txBody>
-          <a:bodyPr spcFirstLastPara="1" wrap="square" lIns="91425" tIns="91425" rIns="91425" bIns="91425" anchor="ctr" anchorCtr="0">
-            <a:noAutofit/>
-          </a:bodyPr>
-          <a:lstStyle/>
-          <a:p>
-            <a:pPr marL="0" lvl="0" indent="0" algn="l" rtl="0">
-              <a:spcBef>
-                <a:spcPts val="0"/>
-              </a:spcBef>
-              <a:spcAft>
-                <a:spcPts val="0"/>
-              </a:spcAft>
-              <a:buNone/>
-            </a:pPr>
-            <a:r>
-              <a:rPr lang="en" dirty="0"/>
-              <a:t>04</a:t>
-            </a:r>
-            <a:endParaRPr dirty="0"/>
-          </a:p>
-        </p:txBody>
-      </p:sp>
+      </p:pic>
     </p:spTree>
     <p:extLst>
       <p:ext uri="{BB962C8B-B14F-4D97-AF65-F5344CB8AC3E}">
-        <p14:creationId xmlns:p14="http://schemas.microsoft.com/office/powerpoint/2010/main" val="940551071"/>
+        <p14:creationId xmlns:p14="http://schemas.microsoft.com/office/powerpoint/2010/main" val="2648465003"/>
       </p:ext>
     </p:extLst>
   </p:cSld>
